--- a/notes/arch-simple2-pipeline.pptx
+++ b/notes/arch-simple2-pipeline.pptx
@@ -5,7 +5,7 @@
     <p:sldMasterId id="2147483648" r:id="rId4"/>
   </p:sldMasterIdLst>
   <p:notesMasterIdLst>
-    <p:notesMasterId r:id="rId40"/>
+    <p:notesMasterId r:id="rId41"/>
   </p:notesMasterIdLst>
   <p:sldIdLst>
     <p:sldId id="256" r:id="rId5"/>
@@ -38,11 +38,12 @@
     <p:sldId id="336" r:id="rId32"/>
     <p:sldId id="337" r:id="rId33"/>
     <p:sldId id="338" r:id="rId34"/>
-    <p:sldId id="340" r:id="rId35"/>
-    <p:sldId id="339" r:id="rId36"/>
-    <p:sldId id="341" r:id="rId37"/>
-    <p:sldId id="342" r:id="rId38"/>
-    <p:sldId id="421" r:id="rId39"/>
+    <p:sldId id="344" r:id="rId35"/>
+    <p:sldId id="340" r:id="rId36"/>
+    <p:sldId id="339" r:id="rId37"/>
+    <p:sldId id="341" r:id="rId38"/>
+    <p:sldId id="342" r:id="rId39"/>
+    <p:sldId id="421" r:id="rId40"/>
   </p:sldIdLst>
   <p:sldSz cx="12192000" cy="6858000"/>
   <p:notesSz cx="6858000" cy="9144000"/>
@@ -147,14 +148,6 @@
     </p:ext>
   </p:extLst>
 </p:presentation>
-</file>
-
-<file path=ppt/revisionInfo.xml><?xml version="1.0" encoding="utf-8"?>
-<p1510:revInfo xmlns:a="http://schemas.openxmlformats.org/drawingml/2006/main" xmlns:r="http://schemas.openxmlformats.org/officeDocument/2006/relationships" xmlns:p1510="http://schemas.microsoft.com/office/powerpoint/2015/10/main">
-  <p1510:revLst>
-    <p1510:client id="{C2F18CA4-F16B-104D-9100-5FF523F8181E}" v="26" dt="2022-12-01T14:12:35.169"/>
-  </p1510:revLst>
-</p1510:revInfo>
 </file>
 
 <file path=ppt/ink/ink1.xml><?xml version="1.0" encoding="utf-8"?>
@@ -13871,6 +13864,707 @@
       </p:grpSpPr>
       <p:sp>
         <p:nvSpPr>
+          <p:cNvPr id="126978" name="Rectangle 2">
+            <a:extLst>
+              <a:ext uri="{FF2B5EF4-FFF2-40B4-BE49-F238E27FC236}">
+                <a16:creationId xmlns:a16="http://schemas.microsoft.com/office/drawing/2014/main" id="{3120C2B4-E0FA-3D47-A609-7BF11E1E9060}"/>
+              </a:ext>
+            </a:extLst>
+          </p:cNvPr>
+          <p:cNvSpPr>
+            <a:spLocks noGrp="1" noChangeArrowheads="1"/>
+          </p:cNvSpPr>
+          <p:nvPr>
+            <p:ph type="hdr" sz="quarter"/>
+          </p:nvPr>
+        </p:nvSpPr>
+        <p:spPr>
+          <a:noFill/>
+          <a:ln/>
+          <a:extLst>
+            <a:ext uri="{909E8E84-426E-40DD-AFC4-6F175D3DCCD1}">
+              <a14:hiddenFill xmlns:a14="http://schemas.microsoft.com/office/drawing/2010/main">
+                <a:solidFill>
+                  <a:srgbClr val="FFFFFF"/>
+                </a:solidFill>
+              </a14:hiddenFill>
+            </a:ext>
+            <a:ext uri="{91240B29-F687-4F45-9708-019B960494DF}">
+              <a14:hiddenLine xmlns:a14="http://schemas.microsoft.com/office/drawing/2010/main" w="9525">
+                <a:solidFill>
+                  <a:srgbClr val="000000"/>
+                </a:solidFill>
+                <a:miter lim="800000"/>
+                <a:headEnd/>
+                <a:tailEnd/>
+              </a14:hiddenLine>
+            </a:ext>
+          </a:extLst>
+        </p:spPr>
+        <p:txBody>
+          <a:bodyPr/>
+          <a:lstStyle>
+            <a:lvl1pPr defTabSz="966788">
+              <a:defRPr sz="1600">
+                <a:solidFill>
+                  <a:schemeClr val="tx1"/>
+                </a:solidFill>
+                <a:latin typeface="Arial" panose="020B0604020202020204" pitchFamily="34" charset="0"/>
+              </a:defRPr>
+            </a:lvl1pPr>
+            <a:lvl2pPr marL="742950" indent="-285750" defTabSz="966788">
+              <a:defRPr sz="1600">
+                <a:solidFill>
+                  <a:schemeClr val="tx1"/>
+                </a:solidFill>
+                <a:latin typeface="Arial" panose="020B0604020202020204" pitchFamily="34" charset="0"/>
+              </a:defRPr>
+            </a:lvl2pPr>
+            <a:lvl3pPr marL="1143000" indent="-228600" defTabSz="966788">
+              <a:defRPr sz="1600">
+                <a:solidFill>
+                  <a:schemeClr val="tx1"/>
+                </a:solidFill>
+                <a:latin typeface="Arial" panose="020B0604020202020204" pitchFamily="34" charset="0"/>
+              </a:defRPr>
+            </a:lvl3pPr>
+            <a:lvl4pPr marL="1600200" indent="-228600" defTabSz="966788">
+              <a:defRPr sz="1600">
+                <a:solidFill>
+                  <a:schemeClr val="tx1"/>
+                </a:solidFill>
+                <a:latin typeface="Arial" panose="020B0604020202020204" pitchFamily="34" charset="0"/>
+              </a:defRPr>
+            </a:lvl4pPr>
+            <a:lvl5pPr marL="2057400" indent="-228600" defTabSz="966788">
+              <a:defRPr sz="1600">
+                <a:solidFill>
+                  <a:schemeClr val="tx1"/>
+                </a:solidFill>
+                <a:latin typeface="Arial" panose="020B0604020202020204" pitchFamily="34" charset="0"/>
+              </a:defRPr>
+            </a:lvl5pPr>
+            <a:lvl6pPr marL="2514600" indent="-228600" defTabSz="966788" eaLnBrk="0" fontAlgn="base" hangingPunct="0">
+              <a:spcBef>
+                <a:spcPct val="0"/>
+              </a:spcBef>
+              <a:spcAft>
+                <a:spcPct val="0"/>
+              </a:spcAft>
+              <a:defRPr sz="1600">
+                <a:solidFill>
+                  <a:schemeClr val="tx1"/>
+                </a:solidFill>
+                <a:latin typeface="Arial" panose="020B0604020202020204" pitchFamily="34" charset="0"/>
+              </a:defRPr>
+            </a:lvl6pPr>
+            <a:lvl7pPr marL="2971800" indent="-228600" defTabSz="966788" eaLnBrk="0" fontAlgn="base" hangingPunct="0">
+              <a:spcBef>
+                <a:spcPct val="0"/>
+              </a:spcBef>
+              <a:spcAft>
+                <a:spcPct val="0"/>
+              </a:spcAft>
+              <a:defRPr sz="1600">
+                <a:solidFill>
+                  <a:schemeClr val="tx1"/>
+                </a:solidFill>
+                <a:latin typeface="Arial" panose="020B0604020202020204" pitchFamily="34" charset="0"/>
+              </a:defRPr>
+            </a:lvl7pPr>
+            <a:lvl8pPr marL="3429000" indent="-228600" defTabSz="966788" eaLnBrk="0" fontAlgn="base" hangingPunct="0">
+              <a:spcBef>
+                <a:spcPct val="0"/>
+              </a:spcBef>
+              <a:spcAft>
+                <a:spcPct val="0"/>
+              </a:spcAft>
+              <a:defRPr sz="1600">
+                <a:solidFill>
+                  <a:schemeClr val="tx1"/>
+                </a:solidFill>
+                <a:latin typeface="Arial" panose="020B0604020202020204" pitchFamily="34" charset="0"/>
+              </a:defRPr>
+            </a:lvl8pPr>
+            <a:lvl9pPr marL="3886200" indent="-228600" defTabSz="966788" eaLnBrk="0" fontAlgn="base" hangingPunct="0">
+              <a:spcBef>
+                <a:spcPct val="0"/>
+              </a:spcBef>
+              <a:spcAft>
+                <a:spcPct val="0"/>
+              </a:spcAft>
+              <a:defRPr sz="1600">
+                <a:solidFill>
+                  <a:schemeClr val="tx1"/>
+                </a:solidFill>
+                <a:latin typeface="Arial" panose="020B0604020202020204" pitchFamily="34" charset="0"/>
+              </a:defRPr>
+            </a:lvl9pPr>
+          </a:lstStyle>
+          <a:p>
+            <a:r>
+              <a:rPr lang="en-AU" altLang="en-US" sz="1300">
+                <a:latin typeface="Times New Roman" panose="02020603050405020304" pitchFamily="18" charset="0"/>
+              </a:rPr>
+              <a:t>Morgan Kaufmann Publishers</a:t>
+            </a:r>
+          </a:p>
+        </p:txBody>
+      </p:sp>
+      <p:sp>
+        <p:nvSpPr>
+          <p:cNvPr id="126979" name="Rectangle 3">
+            <a:extLst>
+              <a:ext uri="{FF2B5EF4-FFF2-40B4-BE49-F238E27FC236}">
+                <a16:creationId xmlns:a16="http://schemas.microsoft.com/office/drawing/2014/main" id="{CC814161-F4BA-0042-8169-9C400AF12B39}"/>
+              </a:ext>
+            </a:extLst>
+          </p:cNvPr>
+          <p:cNvSpPr>
+            <a:spLocks noGrp="1" noChangeArrowheads="1"/>
+          </p:cNvSpPr>
+          <p:nvPr>
+            <p:ph type="dt" sz="quarter" idx="1"/>
+          </p:nvPr>
+        </p:nvSpPr>
+        <p:spPr>
+          <a:noFill/>
+          <a:ln/>
+          <a:extLst>
+            <a:ext uri="{909E8E84-426E-40DD-AFC4-6F175D3DCCD1}">
+              <a14:hiddenFill xmlns:a14="http://schemas.microsoft.com/office/drawing/2010/main">
+                <a:solidFill>
+                  <a:srgbClr val="FFFFFF"/>
+                </a:solidFill>
+              </a14:hiddenFill>
+            </a:ext>
+            <a:ext uri="{91240B29-F687-4F45-9708-019B960494DF}">
+              <a14:hiddenLine xmlns:a14="http://schemas.microsoft.com/office/drawing/2010/main" w="9525">
+                <a:solidFill>
+                  <a:srgbClr val="000000"/>
+                </a:solidFill>
+                <a:miter lim="800000"/>
+                <a:headEnd/>
+                <a:tailEnd/>
+              </a14:hiddenLine>
+            </a:ext>
+          </a:extLst>
+        </p:spPr>
+        <p:txBody>
+          <a:bodyPr/>
+          <a:lstStyle>
+            <a:lvl1pPr defTabSz="966788">
+              <a:defRPr sz="1600">
+                <a:solidFill>
+                  <a:schemeClr val="tx1"/>
+                </a:solidFill>
+                <a:latin typeface="Arial" panose="020B0604020202020204" pitchFamily="34" charset="0"/>
+              </a:defRPr>
+            </a:lvl1pPr>
+            <a:lvl2pPr marL="742950" indent="-285750" defTabSz="966788">
+              <a:defRPr sz="1600">
+                <a:solidFill>
+                  <a:schemeClr val="tx1"/>
+                </a:solidFill>
+                <a:latin typeface="Arial" panose="020B0604020202020204" pitchFamily="34" charset="0"/>
+              </a:defRPr>
+            </a:lvl2pPr>
+            <a:lvl3pPr marL="1143000" indent="-228600" defTabSz="966788">
+              <a:defRPr sz="1600">
+                <a:solidFill>
+                  <a:schemeClr val="tx1"/>
+                </a:solidFill>
+                <a:latin typeface="Arial" panose="020B0604020202020204" pitchFamily="34" charset="0"/>
+              </a:defRPr>
+            </a:lvl3pPr>
+            <a:lvl4pPr marL="1600200" indent="-228600" defTabSz="966788">
+              <a:defRPr sz="1600">
+                <a:solidFill>
+                  <a:schemeClr val="tx1"/>
+                </a:solidFill>
+                <a:latin typeface="Arial" panose="020B0604020202020204" pitchFamily="34" charset="0"/>
+              </a:defRPr>
+            </a:lvl4pPr>
+            <a:lvl5pPr marL="2057400" indent="-228600" defTabSz="966788">
+              <a:defRPr sz="1600">
+                <a:solidFill>
+                  <a:schemeClr val="tx1"/>
+                </a:solidFill>
+                <a:latin typeface="Arial" panose="020B0604020202020204" pitchFamily="34" charset="0"/>
+              </a:defRPr>
+            </a:lvl5pPr>
+            <a:lvl6pPr marL="2514600" indent="-228600" defTabSz="966788" eaLnBrk="0" fontAlgn="base" hangingPunct="0">
+              <a:spcBef>
+                <a:spcPct val="0"/>
+              </a:spcBef>
+              <a:spcAft>
+                <a:spcPct val="0"/>
+              </a:spcAft>
+              <a:defRPr sz="1600">
+                <a:solidFill>
+                  <a:schemeClr val="tx1"/>
+                </a:solidFill>
+                <a:latin typeface="Arial" panose="020B0604020202020204" pitchFamily="34" charset="0"/>
+              </a:defRPr>
+            </a:lvl6pPr>
+            <a:lvl7pPr marL="2971800" indent="-228600" defTabSz="966788" eaLnBrk="0" fontAlgn="base" hangingPunct="0">
+              <a:spcBef>
+                <a:spcPct val="0"/>
+              </a:spcBef>
+              <a:spcAft>
+                <a:spcPct val="0"/>
+              </a:spcAft>
+              <a:defRPr sz="1600">
+                <a:solidFill>
+                  <a:schemeClr val="tx1"/>
+                </a:solidFill>
+                <a:latin typeface="Arial" panose="020B0604020202020204" pitchFamily="34" charset="0"/>
+              </a:defRPr>
+            </a:lvl7pPr>
+            <a:lvl8pPr marL="3429000" indent="-228600" defTabSz="966788" eaLnBrk="0" fontAlgn="base" hangingPunct="0">
+              <a:spcBef>
+                <a:spcPct val="0"/>
+              </a:spcBef>
+              <a:spcAft>
+                <a:spcPct val="0"/>
+              </a:spcAft>
+              <a:defRPr sz="1600">
+                <a:solidFill>
+                  <a:schemeClr val="tx1"/>
+                </a:solidFill>
+                <a:latin typeface="Arial" panose="020B0604020202020204" pitchFamily="34" charset="0"/>
+              </a:defRPr>
+            </a:lvl8pPr>
+            <a:lvl9pPr marL="3886200" indent="-228600" defTabSz="966788" eaLnBrk="0" fontAlgn="base" hangingPunct="0">
+              <a:spcBef>
+                <a:spcPct val="0"/>
+              </a:spcBef>
+              <a:spcAft>
+                <a:spcPct val="0"/>
+              </a:spcAft>
+              <a:defRPr sz="1600">
+                <a:solidFill>
+                  <a:schemeClr val="tx1"/>
+                </a:solidFill>
+                <a:latin typeface="Arial" panose="020B0604020202020204" pitchFamily="34" charset="0"/>
+              </a:defRPr>
+            </a:lvl9pPr>
+          </a:lstStyle>
+          <a:p>
+            <a:fld id="{D54EC160-A595-3449-8576-3442CA8525CA}" type="datetime3">
+              <a:rPr lang="en-AU" altLang="en-US" sz="1300" smtClean="0">
+                <a:latin typeface="Times New Roman" panose="02020603050405020304" pitchFamily="18" charset="0"/>
+              </a:rPr>
+              <a:pPr/>
+              <a:t>5 December, 2022</a:t>
+            </a:fld>
+            <a:endParaRPr lang="en-AU" altLang="en-US" sz="1300">
+              <a:latin typeface="Times New Roman" panose="02020603050405020304" pitchFamily="18" charset="0"/>
+            </a:endParaRPr>
+          </a:p>
+        </p:txBody>
+      </p:sp>
+      <p:sp>
+        <p:nvSpPr>
+          <p:cNvPr id="126980" name="Rectangle 6">
+            <a:extLst>
+              <a:ext uri="{FF2B5EF4-FFF2-40B4-BE49-F238E27FC236}">
+                <a16:creationId xmlns:a16="http://schemas.microsoft.com/office/drawing/2014/main" id="{BE7A5E92-5340-9742-9C59-50842DA19348}"/>
+              </a:ext>
+            </a:extLst>
+          </p:cNvPr>
+          <p:cNvSpPr>
+            <a:spLocks noGrp="1" noChangeArrowheads="1"/>
+          </p:cNvSpPr>
+          <p:nvPr>
+            <p:ph type="ftr" sz="quarter" idx="4"/>
+          </p:nvPr>
+        </p:nvSpPr>
+        <p:spPr>
+          <a:noFill/>
+          <a:ln/>
+          <a:extLst>
+            <a:ext uri="{909E8E84-426E-40DD-AFC4-6F175D3DCCD1}">
+              <a14:hiddenFill xmlns:a14="http://schemas.microsoft.com/office/drawing/2010/main">
+                <a:solidFill>
+                  <a:srgbClr val="FFFFFF"/>
+                </a:solidFill>
+              </a14:hiddenFill>
+            </a:ext>
+            <a:ext uri="{91240B29-F687-4F45-9708-019B960494DF}">
+              <a14:hiddenLine xmlns:a14="http://schemas.microsoft.com/office/drawing/2010/main" w="9525">
+                <a:solidFill>
+                  <a:srgbClr val="000000"/>
+                </a:solidFill>
+                <a:miter lim="800000"/>
+                <a:headEnd/>
+                <a:tailEnd/>
+              </a14:hiddenLine>
+            </a:ext>
+          </a:extLst>
+        </p:spPr>
+        <p:txBody>
+          <a:bodyPr/>
+          <a:lstStyle>
+            <a:lvl1pPr defTabSz="966788">
+              <a:defRPr sz="1600">
+                <a:solidFill>
+                  <a:schemeClr val="tx1"/>
+                </a:solidFill>
+                <a:latin typeface="Arial" panose="020B0604020202020204" pitchFamily="34" charset="0"/>
+              </a:defRPr>
+            </a:lvl1pPr>
+            <a:lvl2pPr marL="742950" indent="-285750" defTabSz="966788">
+              <a:defRPr sz="1600">
+                <a:solidFill>
+                  <a:schemeClr val="tx1"/>
+                </a:solidFill>
+                <a:latin typeface="Arial" panose="020B0604020202020204" pitchFamily="34" charset="0"/>
+              </a:defRPr>
+            </a:lvl2pPr>
+            <a:lvl3pPr marL="1143000" indent="-228600" defTabSz="966788">
+              <a:defRPr sz="1600">
+                <a:solidFill>
+                  <a:schemeClr val="tx1"/>
+                </a:solidFill>
+                <a:latin typeface="Arial" panose="020B0604020202020204" pitchFamily="34" charset="0"/>
+              </a:defRPr>
+            </a:lvl3pPr>
+            <a:lvl4pPr marL="1600200" indent="-228600" defTabSz="966788">
+              <a:defRPr sz="1600">
+                <a:solidFill>
+                  <a:schemeClr val="tx1"/>
+                </a:solidFill>
+                <a:latin typeface="Arial" panose="020B0604020202020204" pitchFamily="34" charset="0"/>
+              </a:defRPr>
+            </a:lvl4pPr>
+            <a:lvl5pPr marL="2057400" indent="-228600" defTabSz="966788">
+              <a:defRPr sz="1600">
+                <a:solidFill>
+                  <a:schemeClr val="tx1"/>
+                </a:solidFill>
+                <a:latin typeface="Arial" panose="020B0604020202020204" pitchFamily="34" charset="0"/>
+              </a:defRPr>
+            </a:lvl5pPr>
+            <a:lvl6pPr marL="2514600" indent="-228600" defTabSz="966788" eaLnBrk="0" fontAlgn="base" hangingPunct="0">
+              <a:spcBef>
+                <a:spcPct val="0"/>
+              </a:spcBef>
+              <a:spcAft>
+                <a:spcPct val="0"/>
+              </a:spcAft>
+              <a:defRPr sz="1600">
+                <a:solidFill>
+                  <a:schemeClr val="tx1"/>
+                </a:solidFill>
+                <a:latin typeface="Arial" panose="020B0604020202020204" pitchFamily="34" charset="0"/>
+              </a:defRPr>
+            </a:lvl6pPr>
+            <a:lvl7pPr marL="2971800" indent="-228600" defTabSz="966788" eaLnBrk="0" fontAlgn="base" hangingPunct="0">
+              <a:spcBef>
+                <a:spcPct val="0"/>
+              </a:spcBef>
+              <a:spcAft>
+                <a:spcPct val="0"/>
+              </a:spcAft>
+              <a:defRPr sz="1600">
+                <a:solidFill>
+                  <a:schemeClr val="tx1"/>
+                </a:solidFill>
+                <a:latin typeface="Arial" panose="020B0604020202020204" pitchFamily="34" charset="0"/>
+              </a:defRPr>
+            </a:lvl7pPr>
+            <a:lvl8pPr marL="3429000" indent="-228600" defTabSz="966788" eaLnBrk="0" fontAlgn="base" hangingPunct="0">
+              <a:spcBef>
+                <a:spcPct val="0"/>
+              </a:spcBef>
+              <a:spcAft>
+                <a:spcPct val="0"/>
+              </a:spcAft>
+              <a:defRPr sz="1600">
+                <a:solidFill>
+                  <a:schemeClr val="tx1"/>
+                </a:solidFill>
+                <a:latin typeface="Arial" panose="020B0604020202020204" pitchFamily="34" charset="0"/>
+              </a:defRPr>
+            </a:lvl8pPr>
+            <a:lvl9pPr marL="3886200" indent="-228600" defTabSz="966788" eaLnBrk="0" fontAlgn="base" hangingPunct="0">
+              <a:spcBef>
+                <a:spcPct val="0"/>
+              </a:spcBef>
+              <a:spcAft>
+                <a:spcPct val="0"/>
+              </a:spcAft>
+              <a:defRPr sz="1600">
+                <a:solidFill>
+                  <a:schemeClr val="tx1"/>
+                </a:solidFill>
+                <a:latin typeface="Arial" panose="020B0604020202020204" pitchFamily="34" charset="0"/>
+              </a:defRPr>
+            </a:lvl9pPr>
+          </a:lstStyle>
+          <a:p>
+            <a:r>
+              <a:rPr lang="en-AU" altLang="en-US" sz="1300">
+                <a:latin typeface="Times New Roman" panose="02020603050405020304" pitchFamily="18" charset="0"/>
+              </a:rPr>
+              <a:t>Chapter 4 — The Processor</a:t>
+            </a:r>
+          </a:p>
+        </p:txBody>
+      </p:sp>
+      <p:sp>
+        <p:nvSpPr>
+          <p:cNvPr id="126981" name="Rectangle 7">
+            <a:extLst>
+              <a:ext uri="{FF2B5EF4-FFF2-40B4-BE49-F238E27FC236}">
+                <a16:creationId xmlns:a16="http://schemas.microsoft.com/office/drawing/2014/main" id="{02D3851A-B415-094A-BD70-190B60CF302A}"/>
+              </a:ext>
+            </a:extLst>
+          </p:cNvPr>
+          <p:cNvSpPr>
+            <a:spLocks noGrp="1" noChangeArrowheads="1"/>
+          </p:cNvSpPr>
+          <p:nvPr>
+            <p:ph type="sldNum" sz="quarter" idx="5"/>
+          </p:nvPr>
+        </p:nvSpPr>
+        <p:spPr>
+          <a:noFill/>
+          <a:ln/>
+          <a:extLst>
+            <a:ext uri="{909E8E84-426E-40DD-AFC4-6F175D3DCCD1}">
+              <a14:hiddenFill xmlns:a14="http://schemas.microsoft.com/office/drawing/2010/main">
+                <a:solidFill>
+                  <a:srgbClr val="FFFFFF"/>
+                </a:solidFill>
+              </a14:hiddenFill>
+            </a:ext>
+            <a:ext uri="{91240B29-F687-4F45-9708-019B960494DF}">
+              <a14:hiddenLine xmlns:a14="http://schemas.microsoft.com/office/drawing/2010/main" w="9525">
+                <a:solidFill>
+                  <a:srgbClr val="000000"/>
+                </a:solidFill>
+                <a:miter lim="800000"/>
+                <a:headEnd/>
+                <a:tailEnd/>
+              </a14:hiddenLine>
+            </a:ext>
+          </a:extLst>
+        </p:spPr>
+        <p:txBody>
+          <a:bodyPr/>
+          <a:lstStyle>
+            <a:lvl1pPr defTabSz="966788">
+              <a:defRPr sz="1600">
+                <a:solidFill>
+                  <a:schemeClr val="tx1"/>
+                </a:solidFill>
+                <a:latin typeface="Arial" panose="020B0604020202020204" pitchFamily="34" charset="0"/>
+              </a:defRPr>
+            </a:lvl1pPr>
+            <a:lvl2pPr marL="742950" indent="-285750" defTabSz="966788">
+              <a:defRPr sz="1600">
+                <a:solidFill>
+                  <a:schemeClr val="tx1"/>
+                </a:solidFill>
+                <a:latin typeface="Arial" panose="020B0604020202020204" pitchFamily="34" charset="0"/>
+              </a:defRPr>
+            </a:lvl2pPr>
+            <a:lvl3pPr marL="1143000" indent="-228600" defTabSz="966788">
+              <a:defRPr sz="1600">
+                <a:solidFill>
+                  <a:schemeClr val="tx1"/>
+                </a:solidFill>
+                <a:latin typeface="Arial" panose="020B0604020202020204" pitchFamily="34" charset="0"/>
+              </a:defRPr>
+            </a:lvl3pPr>
+            <a:lvl4pPr marL="1600200" indent="-228600" defTabSz="966788">
+              <a:defRPr sz="1600">
+                <a:solidFill>
+                  <a:schemeClr val="tx1"/>
+                </a:solidFill>
+                <a:latin typeface="Arial" panose="020B0604020202020204" pitchFamily="34" charset="0"/>
+              </a:defRPr>
+            </a:lvl4pPr>
+            <a:lvl5pPr marL="2057400" indent="-228600" defTabSz="966788">
+              <a:defRPr sz="1600">
+                <a:solidFill>
+                  <a:schemeClr val="tx1"/>
+                </a:solidFill>
+                <a:latin typeface="Arial" panose="020B0604020202020204" pitchFamily="34" charset="0"/>
+              </a:defRPr>
+            </a:lvl5pPr>
+            <a:lvl6pPr marL="2514600" indent="-228600" defTabSz="966788" eaLnBrk="0" fontAlgn="base" hangingPunct="0">
+              <a:spcBef>
+                <a:spcPct val="0"/>
+              </a:spcBef>
+              <a:spcAft>
+                <a:spcPct val="0"/>
+              </a:spcAft>
+              <a:defRPr sz="1600">
+                <a:solidFill>
+                  <a:schemeClr val="tx1"/>
+                </a:solidFill>
+                <a:latin typeface="Arial" panose="020B0604020202020204" pitchFamily="34" charset="0"/>
+              </a:defRPr>
+            </a:lvl6pPr>
+            <a:lvl7pPr marL="2971800" indent="-228600" defTabSz="966788" eaLnBrk="0" fontAlgn="base" hangingPunct="0">
+              <a:spcBef>
+                <a:spcPct val="0"/>
+              </a:spcBef>
+              <a:spcAft>
+                <a:spcPct val="0"/>
+              </a:spcAft>
+              <a:defRPr sz="1600">
+                <a:solidFill>
+                  <a:schemeClr val="tx1"/>
+                </a:solidFill>
+                <a:latin typeface="Arial" panose="020B0604020202020204" pitchFamily="34" charset="0"/>
+              </a:defRPr>
+            </a:lvl7pPr>
+            <a:lvl8pPr marL="3429000" indent="-228600" defTabSz="966788" eaLnBrk="0" fontAlgn="base" hangingPunct="0">
+              <a:spcBef>
+                <a:spcPct val="0"/>
+              </a:spcBef>
+              <a:spcAft>
+                <a:spcPct val="0"/>
+              </a:spcAft>
+              <a:defRPr sz="1600">
+                <a:solidFill>
+                  <a:schemeClr val="tx1"/>
+                </a:solidFill>
+                <a:latin typeface="Arial" panose="020B0604020202020204" pitchFamily="34" charset="0"/>
+              </a:defRPr>
+            </a:lvl8pPr>
+            <a:lvl9pPr marL="3886200" indent="-228600" defTabSz="966788" eaLnBrk="0" fontAlgn="base" hangingPunct="0">
+              <a:spcBef>
+                <a:spcPct val="0"/>
+              </a:spcBef>
+              <a:spcAft>
+                <a:spcPct val="0"/>
+              </a:spcAft>
+              <a:defRPr sz="1600">
+                <a:solidFill>
+                  <a:schemeClr val="tx1"/>
+                </a:solidFill>
+                <a:latin typeface="Arial" panose="020B0604020202020204" pitchFamily="34" charset="0"/>
+              </a:defRPr>
+            </a:lvl9pPr>
+          </a:lstStyle>
+          <a:p>
+            <a:fld id="{0CD27F14-D979-B74F-A2CC-BD87ECA2092C}" type="slidenum">
+              <a:rPr lang="en-AU" altLang="en-US" sz="1300" smtClean="0">
+                <a:latin typeface="Times New Roman" panose="02020603050405020304" pitchFamily="18" charset="0"/>
+              </a:rPr>
+              <a:pPr/>
+              <a:t>31</a:t>
+            </a:fld>
+            <a:endParaRPr lang="en-AU" altLang="en-US" sz="1300">
+              <a:latin typeface="Times New Roman" panose="02020603050405020304" pitchFamily="18" charset="0"/>
+            </a:endParaRPr>
+          </a:p>
+        </p:txBody>
+      </p:sp>
+      <p:sp>
+        <p:nvSpPr>
+          <p:cNvPr id="126982" name="Rectangle 2">
+            <a:extLst>
+              <a:ext uri="{FF2B5EF4-FFF2-40B4-BE49-F238E27FC236}">
+                <a16:creationId xmlns:a16="http://schemas.microsoft.com/office/drawing/2014/main" id="{0463EB5F-36E0-F043-B264-57E8292A8313}"/>
+              </a:ext>
+            </a:extLst>
+          </p:cNvPr>
+          <p:cNvSpPr>
+            <a:spLocks noGrp="1" noRot="1" noChangeAspect="1" noChangeArrowheads="1" noTextEdit="1"/>
+          </p:cNvSpPr>
+          <p:nvPr>
+            <p:ph type="sldImg"/>
+          </p:nvPr>
+        </p:nvSpPr>
+        <p:spPr>
+          <a:ln/>
+        </p:spPr>
+      </p:sp>
+      <p:sp>
+        <p:nvSpPr>
+          <p:cNvPr id="126983" name="Rectangle 3">
+            <a:extLst>
+              <a:ext uri="{FF2B5EF4-FFF2-40B4-BE49-F238E27FC236}">
+                <a16:creationId xmlns:a16="http://schemas.microsoft.com/office/drawing/2014/main" id="{5493F563-EEA2-D64E-B945-EA293CA80544}"/>
+              </a:ext>
+            </a:extLst>
+          </p:cNvPr>
+          <p:cNvSpPr>
+            <a:spLocks noGrp="1" noChangeArrowheads="1"/>
+          </p:cNvSpPr>
+          <p:nvPr>
+            <p:ph type="body" idx="1"/>
+          </p:nvPr>
+        </p:nvSpPr>
+        <p:spPr>
+          <a:noFill/>
+          <a:ln/>
+          <a:extLst>
+            <a:ext uri="{909E8E84-426E-40DD-AFC4-6F175D3DCCD1}">
+              <a14:hiddenFill xmlns:a14="http://schemas.microsoft.com/office/drawing/2010/main">
+                <a:solidFill>
+                  <a:srgbClr val="FFFFFF"/>
+                </a:solidFill>
+              </a14:hiddenFill>
+            </a:ext>
+            <a:ext uri="{91240B29-F687-4F45-9708-019B960494DF}">
+              <a14:hiddenLine xmlns:a14="http://schemas.microsoft.com/office/drawing/2010/main" w="9525">
+                <a:solidFill>
+                  <a:srgbClr val="000000"/>
+                </a:solidFill>
+                <a:miter lim="800000"/>
+                <a:headEnd/>
+                <a:tailEnd/>
+              </a14:hiddenLine>
+            </a:ext>
+          </a:extLst>
+        </p:spPr>
+        <p:txBody>
+          <a:bodyPr/>
+          <a:lstStyle/>
+          <a:p>
+            <a:endParaRPr lang="en-US" altLang="en-US"/>
+          </a:p>
+        </p:txBody>
+      </p:sp>
+    </p:spTree>
+    <p:extLst>
+      <p:ext uri="{BB962C8B-B14F-4D97-AF65-F5344CB8AC3E}">
+        <p14:creationId xmlns:p14="http://schemas.microsoft.com/office/powerpoint/2010/main" val="1319973438"/>
+      </p:ext>
+    </p:extLst>
+  </p:cSld>
+  <p:clrMapOvr>
+    <a:masterClrMapping/>
+  </p:clrMapOvr>
+</p:notes>
+</file>
+
+<file path=ppt/notesSlides/notesSlide28.xml><?xml version="1.0" encoding="utf-8"?>
+<p:notes xmlns:a="http://schemas.openxmlformats.org/drawingml/2006/main" xmlns:r="http://schemas.openxmlformats.org/officeDocument/2006/relationships" xmlns:p="http://schemas.openxmlformats.org/presentationml/2006/main">
+  <p:cSld>
+    <p:spTree>
+      <p:nvGrpSpPr>
+        <p:cNvPr id="1" name=""/>
+        <p:cNvGrpSpPr/>
+        <p:nvPr/>
+      </p:nvGrpSpPr>
+      <p:grpSpPr>
+        <a:xfrm>
+          <a:off x="0" y="0"/>
+          <a:ext cx="0" cy="0"/>
+          <a:chOff x="0" y="0"/>
+          <a:chExt cx="0" cy="0"/>
+        </a:xfrm>
+      </p:grpSpPr>
+      <p:sp>
+        <p:nvSpPr>
           <p:cNvPr id="124930" name="Rectangle 2">
             <a:extLst>
               <a:ext uri="{FF2B5EF4-FFF2-40B4-BE49-F238E27FC236}">
@@ -14465,7 +15159,7 @@
                 <a:latin typeface="Times New Roman" panose="02020603050405020304" pitchFamily="18" charset="0"/>
               </a:rPr>
               <a:pPr/>
-              <a:t>31</a:t>
+              <a:t>32</a:t>
             </a:fld>
             <a:endParaRPr lang="en-AU" altLang="en-US" sz="1300">
               <a:latin typeface="Times New Roman" panose="02020603050405020304" pitchFamily="18" charset="0"/>
@@ -14553,7 +15247,7 @@
 </p:notes>
 </file>
 
-<file path=ppt/notesSlides/notesSlide28.xml><?xml version="1.0" encoding="utf-8"?>
+<file path=ppt/notesSlides/notesSlide29.xml><?xml version="1.0" encoding="utf-8"?>
 <p:notes xmlns:a="http://schemas.openxmlformats.org/drawingml/2006/main" xmlns:r="http://schemas.openxmlformats.org/officeDocument/2006/relationships" xmlns:p="http://schemas.openxmlformats.org/presentationml/2006/main">
   <p:cSld>
     <p:spTree>
@@ -15166,7 +15860,7 @@
                 <a:latin typeface="Times New Roman" panose="02020603050405020304" pitchFamily="18" charset="0"/>
               </a:rPr>
               <a:pPr/>
-              <a:t>32</a:t>
+              <a:t>33</a:t>
             </a:fld>
             <a:endParaRPr lang="en-AU" altLang="en-US" sz="1300">
               <a:latin typeface="Times New Roman" panose="02020603050405020304" pitchFamily="18" charset="0"/>
@@ -15245,707 +15939,6 @@
     <p:extLst>
       <p:ext uri="{BB962C8B-B14F-4D97-AF65-F5344CB8AC3E}">
         <p14:creationId xmlns:p14="http://schemas.microsoft.com/office/powerpoint/2010/main" val="3904008298"/>
-      </p:ext>
-    </p:extLst>
-  </p:cSld>
-  <p:clrMapOvr>
-    <a:masterClrMapping/>
-  </p:clrMapOvr>
-</p:notes>
-</file>
-
-<file path=ppt/notesSlides/notesSlide29.xml><?xml version="1.0" encoding="utf-8"?>
-<p:notes xmlns:a="http://schemas.openxmlformats.org/drawingml/2006/main" xmlns:r="http://schemas.openxmlformats.org/officeDocument/2006/relationships" xmlns:p="http://schemas.openxmlformats.org/presentationml/2006/main">
-  <p:cSld>
-    <p:spTree>
-      <p:nvGrpSpPr>
-        <p:cNvPr id="1" name=""/>
-        <p:cNvGrpSpPr/>
-        <p:nvPr/>
-      </p:nvGrpSpPr>
-      <p:grpSpPr>
-        <a:xfrm>
-          <a:off x="0" y="0"/>
-          <a:ext cx="0" cy="0"/>
-          <a:chOff x="0" y="0"/>
-          <a:chExt cx="0" cy="0"/>
-        </a:xfrm>
-      </p:grpSpPr>
-      <p:sp>
-        <p:nvSpPr>
-          <p:cNvPr id="129026" name="Rectangle 2">
-            <a:extLst>
-              <a:ext uri="{FF2B5EF4-FFF2-40B4-BE49-F238E27FC236}">
-                <a16:creationId xmlns:a16="http://schemas.microsoft.com/office/drawing/2014/main" id="{BBA2DB8F-1100-084B-B1D1-3E36E5BEEE99}"/>
-              </a:ext>
-            </a:extLst>
-          </p:cNvPr>
-          <p:cNvSpPr>
-            <a:spLocks noGrp="1" noChangeArrowheads="1"/>
-          </p:cNvSpPr>
-          <p:nvPr>
-            <p:ph type="hdr" sz="quarter"/>
-          </p:nvPr>
-        </p:nvSpPr>
-        <p:spPr>
-          <a:noFill/>
-          <a:ln/>
-          <a:extLst>
-            <a:ext uri="{909E8E84-426E-40DD-AFC4-6F175D3DCCD1}">
-              <a14:hiddenFill xmlns:a14="http://schemas.microsoft.com/office/drawing/2010/main">
-                <a:solidFill>
-                  <a:srgbClr val="FFFFFF"/>
-                </a:solidFill>
-              </a14:hiddenFill>
-            </a:ext>
-            <a:ext uri="{91240B29-F687-4F45-9708-019B960494DF}">
-              <a14:hiddenLine xmlns:a14="http://schemas.microsoft.com/office/drawing/2010/main" w="9525">
-                <a:solidFill>
-                  <a:srgbClr val="000000"/>
-                </a:solidFill>
-                <a:miter lim="800000"/>
-                <a:headEnd/>
-                <a:tailEnd/>
-              </a14:hiddenLine>
-            </a:ext>
-          </a:extLst>
-        </p:spPr>
-        <p:txBody>
-          <a:bodyPr/>
-          <a:lstStyle>
-            <a:lvl1pPr defTabSz="966788">
-              <a:defRPr sz="1600">
-                <a:solidFill>
-                  <a:schemeClr val="tx1"/>
-                </a:solidFill>
-                <a:latin typeface="Arial" panose="020B0604020202020204" pitchFamily="34" charset="0"/>
-              </a:defRPr>
-            </a:lvl1pPr>
-            <a:lvl2pPr marL="742950" indent="-285750" defTabSz="966788">
-              <a:defRPr sz="1600">
-                <a:solidFill>
-                  <a:schemeClr val="tx1"/>
-                </a:solidFill>
-                <a:latin typeface="Arial" panose="020B0604020202020204" pitchFamily="34" charset="0"/>
-              </a:defRPr>
-            </a:lvl2pPr>
-            <a:lvl3pPr marL="1143000" indent="-228600" defTabSz="966788">
-              <a:defRPr sz="1600">
-                <a:solidFill>
-                  <a:schemeClr val="tx1"/>
-                </a:solidFill>
-                <a:latin typeface="Arial" panose="020B0604020202020204" pitchFamily="34" charset="0"/>
-              </a:defRPr>
-            </a:lvl3pPr>
-            <a:lvl4pPr marL="1600200" indent="-228600" defTabSz="966788">
-              <a:defRPr sz="1600">
-                <a:solidFill>
-                  <a:schemeClr val="tx1"/>
-                </a:solidFill>
-                <a:latin typeface="Arial" panose="020B0604020202020204" pitchFamily="34" charset="0"/>
-              </a:defRPr>
-            </a:lvl4pPr>
-            <a:lvl5pPr marL="2057400" indent="-228600" defTabSz="966788">
-              <a:defRPr sz="1600">
-                <a:solidFill>
-                  <a:schemeClr val="tx1"/>
-                </a:solidFill>
-                <a:latin typeface="Arial" panose="020B0604020202020204" pitchFamily="34" charset="0"/>
-              </a:defRPr>
-            </a:lvl5pPr>
-            <a:lvl6pPr marL="2514600" indent="-228600" defTabSz="966788" eaLnBrk="0" fontAlgn="base" hangingPunct="0">
-              <a:spcBef>
-                <a:spcPct val="0"/>
-              </a:spcBef>
-              <a:spcAft>
-                <a:spcPct val="0"/>
-              </a:spcAft>
-              <a:defRPr sz="1600">
-                <a:solidFill>
-                  <a:schemeClr val="tx1"/>
-                </a:solidFill>
-                <a:latin typeface="Arial" panose="020B0604020202020204" pitchFamily="34" charset="0"/>
-              </a:defRPr>
-            </a:lvl6pPr>
-            <a:lvl7pPr marL="2971800" indent="-228600" defTabSz="966788" eaLnBrk="0" fontAlgn="base" hangingPunct="0">
-              <a:spcBef>
-                <a:spcPct val="0"/>
-              </a:spcBef>
-              <a:spcAft>
-                <a:spcPct val="0"/>
-              </a:spcAft>
-              <a:defRPr sz="1600">
-                <a:solidFill>
-                  <a:schemeClr val="tx1"/>
-                </a:solidFill>
-                <a:latin typeface="Arial" panose="020B0604020202020204" pitchFamily="34" charset="0"/>
-              </a:defRPr>
-            </a:lvl7pPr>
-            <a:lvl8pPr marL="3429000" indent="-228600" defTabSz="966788" eaLnBrk="0" fontAlgn="base" hangingPunct="0">
-              <a:spcBef>
-                <a:spcPct val="0"/>
-              </a:spcBef>
-              <a:spcAft>
-                <a:spcPct val="0"/>
-              </a:spcAft>
-              <a:defRPr sz="1600">
-                <a:solidFill>
-                  <a:schemeClr val="tx1"/>
-                </a:solidFill>
-                <a:latin typeface="Arial" panose="020B0604020202020204" pitchFamily="34" charset="0"/>
-              </a:defRPr>
-            </a:lvl8pPr>
-            <a:lvl9pPr marL="3886200" indent="-228600" defTabSz="966788" eaLnBrk="0" fontAlgn="base" hangingPunct="0">
-              <a:spcBef>
-                <a:spcPct val="0"/>
-              </a:spcBef>
-              <a:spcAft>
-                <a:spcPct val="0"/>
-              </a:spcAft>
-              <a:defRPr sz="1600">
-                <a:solidFill>
-                  <a:schemeClr val="tx1"/>
-                </a:solidFill>
-                <a:latin typeface="Arial" panose="020B0604020202020204" pitchFamily="34" charset="0"/>
-              </a:defRPr>
-            </a:lvl9pPr>
-          </a:lstStyle>
-          <a:p>
-            <a:r>
-              <a:rPr lang="en-AU" altLang="en-US" sz="1300">
-                <a:latin typeface="Times New Roman" panose="02020603050405020304" pitchFamily="18" charset="0"/>
-              </a:rPr>
-              <a:t>Morgan Kaufmann Publishers</a:t>
-            </a:r>
-          </a:p>
-        </p:txBody>
-      </p:sp>
-      <p:sp>
-        <p:nvSpPr>
-          <p:cNvPr id="129027" name="Rectangle 3">
-            <a:extLst>
-              <a:ext uri="{FF2B5EF4-FFF2-40B4-BE49-F238E27FC236}">
-                <a16:creationId xmlns:a16="http://schemas.microsoft.com/office/drawing/2014/main" id="{7F7B7FA8-D4EB-7644-8E15-7AE22F2B94BF}"/>
-              </a:ext>
-            </a:extLst>
-          </p:cNvPr>
-          <p:cNvSpPr>
-            <a:spLocks noGrp="1" noChangeArrowheads="1"/>
-          </p:cNvSpPr>
-          <p:nvPr>
-            <p:ph type="dt" sz="quarter" idx="1"/>
-          </p:nvPr>
-        </p:nvSpPr>
-        <p:spPr>
-          <a:noFill/>
-          <a:ln/>
-          <a:extLst>
-            <a:ext uri="{909E8E84-426E-40DD-AFC4-6F175D3DCCD1}">
-              <a14:hiddenFill xmlns:a14="http://schemas.microsoft.com/office/drawing/2010/main">
-                <a:solidFill>
-                  <a:srgbClr val="FFFFFF"/>
-                </a:solidFill>
-              </a14:hiddenFill>
-            </a:ext>
-            <a:ext uri="{91240B29-F687-4F45-9708-019B960494DF}">
-              <a14:hiddenLine xmlns:a14="http://schemas.microsoft.com/office/drawing/2010/main" w="9525">
-                <a:solidFill>
-                  <a:srgbClr val="000000"/>
-                </a:solidFill>
-                <a:miter lim="800000"/>
-                <a:headEnd/>
-                <a:tailEnd/>
-              </a14:hiddenLine>
-            </a:ext>
-          </a:extLst>
-        </p:spPr>
-        <p:txBody>
-          <a:bodyPr/>
-          <a:lstStyle>
-            <a:lvl1pPr defTabSz="966788">
-              <a:defRPr sz="1600">
-                <a:solidFill>
-                  <a:schemeClr val="tx1"/>
-                </a:solidFill>
-                <a:latin typeface="Arial" panose="020B0604020202020204" pitchFamily="34" charset="0"/>
-              </a:defRPr>
-            </a:lvl1pPr>
-            <a:lvl2pPr marL="742950" indent="-285750" defTabSz="966788">
-              <a:defRPr sz="1600">
-                <a:solidFill>
-                  <a:schemeClr val="tx1"/>
-                </a:solidFill>
-                <a:latin typeface="Arial" panose="020B0604020202020204" pitchFamily="34" charset="0"/>
-              </a:defRPr>
-            </a:lvl2pPr>
-            <a:lvl3pPr marL="1143000" indent="-228600" defTabSz="966788">
-              <a:defRPr sz="1600">
-                <a:solidFill>
-                  <a:schemeClr val="tx1"/>
-                </a:solidFill>
-                <a:latin typeface="Arial" panose="020B0604020202020204" pitchFamily="34" charset="0"/>
-              </a:defRPr>
-            </a:lvl3pPr>
-            <a:lvl4pPr marL="1600200" indent="-228600" defTabSz="966788">
-              <a:defRPr sz="1600">
-                <a:solidFill>
-                  <a:schemeClr val="tx1"/>
-                </a:solidFill>
-                <a:latin typeface="Arial" panose="020B0604020202020204" pitchFamily="34" charset="0"/>
-              </a:defRPr>
-            </a:lvl4pPr>
-            <a:lvl5pPr marL="2057400" indent="-228600" defTabSz="966788">
-              <a:defRPr sz="1600">
-                <a:solidFill>
-                  <a:schemeClr val="tx1"/>
-                </a:solidFill>
-                <a:latin typeface="Arial" panose="020B0604020202020204" pitchFamily="34" charset="0"/>
-              </a:defRPr>
-            </a:lvl5pPr>
-            <a:lvl6pPr marL="2514600" indent="-228600" defTabSz="966788" eaLnBrk="0" fontAlgn="base" hangingPunct="0">
-              <a:spcBef>
-                <a:spcPct val="0"/>
-              </a:spcBef>
-              <a:spcAft>
-                <a:spcPct val="0"/>
-              </a:spcAft>
-              <a:defRPr sz="1600">
-                <a:solidFill>
-                  <a:schemeClr val="tx1"/>
-                </a:solidFill>
-                <a:latin typeface="Arial" panose="020B0604020202020204" pitchFamily="34" charset="0"/>
-              </a:defRPr>
-            </a:lvl6pPr>
-            <a:lvl7pPr marL="2971800" indent="-228600" defTabSz="966788" eaLnBrk="0" fontAlgn="base" hangingPunct="0">
-              <a:spcBef>
-                <a:spcPct val="0"/>
-              </a:spcBef>
-              <a:spcAft>
-                <a:spcPct val="0"/>
-              </a:spcAft>
-              <a:defRPr sz="1600">
-                <a:solidFill>
-                  <a:schemeClr val="tx1"/>
-                </a:solidFill>
-                <a:latin typeface="Arial" panose="020B0604020202020204" pitchFamily="34" charset="0"/>
-              </a:defRPr>
-            </a:lvl7pPr>
-            <a:lvl8pPr marL="3429000" indent="-228600" defTabSz="966788" eaLnBrk="0" fontAlgn="base" hangingPunct="0">
-              <a:spcBef>
-                <a:spcPct val="0"/>
-              </a:spcBef>
-              <a:spcAft>
-                <a:spcPct val="0"/>
-              </a:spcAft>
-              <a:defRPr sz="1600">
-                <a:solidFill>
-                  <a:schemeClr val="tx1"/>
-                </a:solidFill>
-                <a:latin typeface="Arial" panose="020B0604020202020204" pitchFamily="34" charset="0"/>
-              </a:defRPr>
-            </a:lvl8pPr>
-            <a:lvl9pPr marL="3886200" indent="-228600" defTabSz="966788" eaLnBrk="0" fontAlgn="base" hangingPunct="0">
-              <a:spcBef>
-                <a:spcPct val="0"/>
-              </a:spcBef>
-              <a:spcAft>
-                <a:spcPct val="0"/>
-              </a:spcAft>
-              <a:defRPr sz="1600">
-                <a:solidFill>
-                  <a:schemeClr val="tx1"/>
-                </a:solidFill>
-                <a:latin typeface="Arial" panose="020B0604020202020204" pitchFamily="34" charset="0"/>
-              </a:defRPr>
-            </a:lvl9pPr>
-          </a:lstStyle>
-          <a:p>
-            <a:fld id="{71BF4A84-EE3B-2A46-979D-0333E0D95AFC}" type="datetime3">
-              <a:rPr lang="en-AU" altLang="en-US" sz="1300" smtClean="0">
-                <a:latin typeface="Times New Roman" panose="02020603050405020304" pitchFamily="18" charset="0"/>
-              </a:rPr>
-              <a:pPr/>
-              <a:t>1 December, 2022</a:t>
-            </a:fld>
-            <a:endParaRPr lang="en-AU" altLang="en-US" sz="1300">
-              <a:latin typeface="Times New Roman" panose="02020603050405020304" pitchFamily="18" charset="0"/>
-            </a:endParaRPr>
-          </a:p>
-        </p:txBody>
-      </p:sp>
-      <p:sp>
-        <p:nvSpPr>
-          <p:cNvPr id="129028" name="Rectangle 6">
-            <a:extLst>
-              <a:ext uri="{FF2B5EF4-FFF2-40B4-BE49-F238E27FC236}">
-                <a16:creationId xmlns:a16="http://schemas.microsoft.com/office/drawing/2014/main" id="{3917A0CA-BCCF-2E4D-BE79-5C5466154DA0}"/>
-              </a:ext>
-            </a:extLst>
-          </p:cNvPr>
-          <p:cNvSpPr>
-            <a:spLocks noGrp="1" noChangeArrowheads="1"/>
-          </p:cNvSpPr>
-          <p:nvPr>
-            <p:ph type="ftr" sz="quarter" idx="4"/>
-          </p:nvPr>
-        </p:nvSpPr>
-        <p:spPr>
-          <a:noFill/>
-          <a:ln/>
-          <a:extLst>
-            <a:ext uri="{909E8E84-426E-40DD-AFC4-6F175D3DCCD1}">
-              <a14:hiddenFill xmlns:a14="http://schemas.microsoft.com/office/drawing/2010/main">
-                <a:solidFill>
-                  <a:srgbClr val="FFFFFF"/>
-                </a:solidFill>
-              </a14:hiddenFill>
-            </a:ext>
-            <a:ext uri="{91240B29-F687-4F45-9708-019B960494DF}">
-              <a14:hiddenLine xmlns:a14="http://schemas.microsoft.com/office/drawing/2010/main" w="9525">
-                <a:solidFill>
-                  <a:srgbClr val="000000"/>
-                </a:solidFill>
-                <a:miter lim="800000"/>
-                <a:headEnd/>
-                <a:tailEnd/>
-              </a14:hiddenLine>
-            </a:ext>
-          </a:extLst>
-        </p:spPr>
-        <p:txBody>
-          <a:bodyPr/>
-          <a:lstStyle>
-            <a:lvl1pPr defTabSz="966788">
-              <a:defRPr sz="1600">
-                <a:solidFill>
-                  <a:schemeClr val="tx1"/>
-                </a:solidFill>
-                <a:latin typeface="Arial" panose="020B0604020202020204" pitchFamily="34" charset="0"/>
-              </a:defRPr>
-            </a:lvl1pPr>
-            <a:lvl2pPr marL="742950" indent="-285750" defTabSz="966788">
-              <a:defRPr sz="1600">
-                <a:solidFill>
-                  <a:schemeClr val="tx1"/>
-                </a:solidFill>
-                <a:latin typeface="Arial" panose="020B0604020202020204" pitchFamily="34" charset="0"/>
-              </a:defRPr>
-            </a:lvl2pPr>
-            <a:lvl3pPr marL="1143000" indent="-228600" defTabSz="966788">
-              <a:defRPr sz="1600">
-                <a:solidFill>
-                  <a:schemeClr val="tx1"/>
-                </a:solidFill>
-                <a:latin typeface="Arial" panose="020B0604020202020204" pitchFamily="34" charset="0"/>
-              </a:defRPr>
-            </a:lvl3pPr>
-            <a:lvl4pPr marL="1600200" indent="-228600" defTabSz="966788">
-              <a:defRPr sz="1600">
-                <a:solidFill>
-                  <a:schemeClr val="tx1"/>
-                </a:solidFill>
-                <a:latin typeface="Arial" panose="020B0604020202020204" pitchFamily="34" charset="0"/>
-              </a:defRPr>
-            </a:lvl4pPr>
-            <a:lvl5pPr marL="2057400" indent="-228600" defTabSz="966788">
-              <a:defRPr sz="1600">
-                <a:solidFill>
-                  <a:schemeClr val="tx1"/>
-                </a:solidFill>
-                <a:latin typeface="Arial" panose="020B0604020202020204" pitchFamily="34" charset="0"/>
-              </a:defRPr>
-            </a:lvl5pPr>
-            <a:lvl6pPr marL="2514600" indent="-228600" defTabSz="966788" eaLnBrk="0" fontAlgn="base" hangingPunct="0">
-              <a:spcBef>
-                <a:spcPct val="0"/>
-              </a:spcBef>
-              <a:spcAft>
-                <a:spcPct val="0"/>
-              </a:spcAft>
-              <a:defRPr sz="1600">
-                <a:solidFill>
-                  <a:schemeClr val="tx1"/>
-                </a:solidFill>
-                <a:latin typeface="Arial" panose="020B0604020202020204" pitchFamily="34" charset="0"/>
-              </a:defRPr>
-            </a:lvl6pPr>
-            <a:lvl7pPr marL="2971800" indent="-228600" defTabSz="966788" eaLnBrk="0" fontAlgn="base" hangingPunct="0">
-              <a:spcBef>
-                <a:spcPct val="0"/>
-              </a:spcBef>
-              <a:spcAft>
-                <a:spcPct val="0"/>
-              </a:spcAft>
-              <a:defRPr sz="1600">
-                <a:solidFill>
-                  <a:schemeClr val="tx1"/>
-                </a:solidFill>
-                <a:latin typeface="Arial" panose="020B0604020202020204" pitchFamily="34" charset="0"/>
-              </a:defRPr>
-            </a:lvl7pPr>
-            <a:lvl8pPr marL="3429000" indent="-228600" defTabSz="966788" eaLnBrk="0" fontAlgn="base" hangingPunct="0">
-              <a:spcBef>
-                <a:spcPct val="0"/>
-              </a:spcBef>
-              <a:spcAft>
-                <a:spcPct val="0"/>
-              </a:spcAft>
-              <a:defRPr sz="1600">
-                <a:solidFill>
-                  <a:schemeClr val="tx1"/>
-                </a:solidFill>
-                <a:latin typeface="Arial" panose="020B0604020202020204" pitchFamily="34" charset="0"/>
-              </a:defRPr>
-            </a:lvl8pPr>
-            <a:lvl9pPr marL="3886200" indent="-228600" defTabSz="966788" eaLnBrk="0" fontAlgn="base" hangingPunct="0">
-              <a:spcBef>
-                <a:spcPct val="0"/>
-              </a:spcBef>
-              <a:spcAft>
-                <a:spcPct val="0"/>
-              </a:spcAft>
-              <a:defRPr sz="1600">
-                <a:solidFill>
-                  <a:schemeClr val="tx1"/>
-                </a:solidFill>
-                <a:latin typeface="Arial" panose="020B0604020202020204" pitchFamily="34" charset="0"/>
-              </a:defRPr>
-            </a:lvl9pPr>
-          </a:lstStyle>
-          <a:p>
-            <a:r>
-              <a:rPr lang="en-AU" altLang="en-US" sz="1300">
-                <a:latin typeface="Times New Roman" panose="02020603050405020304" pitchFamily="18" charset="0"/>
-              </a:rPr>
-              <a:t>Chapter 4 — The Processor</a:t>
-            </a:r>
-          </a:p>
-        </p:txBody>
-      </p:sp>
-      <p:sp>
-        <p:nvSpPr>
-          <p:cNvPr id="129029" name="Rectangle 7">
-            <a:extLst>
-              <a:ext uri="{FF2B5EF4-FFF2-40B4-BE49-F238E27FC236}">
-                <a16:creationId xmlns:a16="http://schemas.microsoft.com/office/drawing/2014/main" id="{2D6A2F37-C82D-194F-AF6F-63055C9575F3}"/>
-              </a:ext>
-            </a:extLst>
-          </p:cNvPr>
-          <p:cNvSpPr>
-            <a:spLocks noGrp="1" noChangeArrowheads="1"/>
-          </p:cNvSpPr>
-          <p:nvPr>
-            <p:ph type="sldNum" sz="quarter" idx="5"/>
-          </p:nvPr>
-        </p:nvSpPr>
-        <p:spPr>
-          <a:noFill/>
-          <a:ln/>
-          <a:extLst>
-            <a:ext uri="{909E8E84-426E-40DD-AFC4-6F175D3DCCD1}">
-              <a14:hiddenFill xmlns:a14="http://schemas.microsoft.com/office/drawing/2010/main">
-                <a:solidFill>
-                  <a:srgbClr val="FFFFFF"/>
-                </a:solidFill>
-              </a14:hiddenFill>
-            </a:ext>
-            <a:ext uri="{91240B29-F687-4F45-9708-019B960494DF}">
-              <a14:hiddenLine xmlns:a14="http://schemas.microsoft.com/office/drawing/2010/main" w="9525">
-                <a:solidFill>
-                  <a:srgbClr val="000000"/>
-                </a:solidFill>
-                <a:miter lim="800000"/>
-                <a:headEnd/>
-                <a:tailEnd/>
-              </a14:hiddenLine>
-            </a:ext>
-          </a:extLst>
-        </p:spPr>
-        <p:txBody>
-          <a:bodyPr/>
-          <a:lstStyle>
-            <a:lvl1pPr defTabSz="966788">
-              <a:defRPr sz="1600">
-                <a:solidFill>
-                  <a:schemeClr val="tx1"/>
-                </a:solidFill>
-                <a:latin typeface="Arial" panose="020B0604020202020204" pitchFamily="34" charset="0"/>
-              </a:defRPr>
-            </a:lvl1pPr>
-            <a:lvl2pPr marL="742950" indent="-285750" defTabSz="966788">
-              <a:defRPr sz="1600">
-                <a:solidFill>
-                  <a:schemeClr val="tx1"/>
-                </a:solidFill>
-                <a:latin typeface="Arial" panose="020B0604020202020204" pitchFamily="34" charset="0"/>
-              </a:defRPr>
-            </a:lvl2pPr>
-            <a:lvl3pPr marL="1143000" indent="-228600" defTabSz="966788">
-              <a:defRPr sz="1600">
-                <a:solidFill>
-                  <a:schemeClr val="tx1"/>
-                </a:solidFill>
-                <a:latin typeface="Arial" panose="020B0604020202020204" pitchFamily="34" charset="0"/>
-              </a:defRPr>
-            </a:lvl3pPr>
-            <a:lvl4pPr marL="1600200" indent="-228600" defTabSz="966788">
-              <a:defRPr sz="1600">
-                <a:solidFill>
-                  <a:schemeClr val="tx1"/>
-                </a:solidFill>
-                <a:latin typeface="Arial" panose="020B0604020202020204" pitchFamily="34" charset="0"/>
-              </a:defRPr>
-            </a:lvl4pPr>
-            <a:lvl5pPr marL="2057400" indent="-228600" defTabSz="966788">
-              <a:defRPr sz="1600">
-                <a:solidFill>
-                  <a:schemeClr val="tx1"/>
-                </a:solidFill>
-                <a:latin typeface="Arial" panose="020B0604020202020204" pitchFamily="34" charset="0"/>
-              </a:defRPr>
-            </a:lvl5pPr>
-            <a:lvl6pPr marL="2514600" indent="-228600" defTabSz="966788" eaLnBrk="0" fontAlgn="base" hangingPunct="0">
-              <a:spcBef>
-                <a:spcPct val="0"/>
-              </a:spcBef>
-              <a:spcAft>
-                <a:spcPct val="0"/>
-              </a:spcAft>
-              <a:defRPr sz="1600">
-                <a:solidFill>
-                  <a:schemeClr val="tx1"/>
-                </a:solidFill>
-                <a:latin typeface="Arial" panose="020B0604020202020204" pitchFamily="34" charset="0"/>
-              </a:defRPr>
-            </a:lvl6pPr>
-            <a:lvl7pPr marL="2971800" indent="-228600" defTabSz="966788" eaLnBrk="0" fontAlgn="base" hangingPunct="0">
-              <a:spcBef>
-                <a:spcPct val="0"/>
-              </a:spcBef>
-              <a:spcAft>
-                <a:spcPct val="0"/>
-              </a:spcAft>
-              <a:defRPr sz="1600">
-                <a:solidFill>
-                  <a:schemeClr val="tx1"/>
-                </a:solidFill>
-                <a:latin typeface="Arial" panose="020B0604020202020204" pitchFamily="34" charset="0"/>
-              </a:defRPr>
-            </a:lvl7pPr>
-            <a:lvl8pPr marL="3429000" indent="-228600" defTabSz="966788" eaLnBrk="0" fontAlgn="base" hangingPunct="0">
-              <a:spcBef>
-                <a:spcPct val="0"/>
-              </a:spcBef>
-              <a:spcAft>
-                <a:spcPct val="0"/>
-              </a:spcAft>
-              <a:defRPr sz="1600">
-                <a:solidFill>
-                  <a:schemeClr val="tx1"/>
-                </a:solidFill>
-                <a:latin typeface="Arial" panose="020B0604020202020204" pitchFamily="34" charset="0"/>
-              </a:defRPr>
-            </a:lvl8pPr>
-            <a:lvl9pPr marL="3886200" indent="-228600" defTabSz="966788" eaLnBrk="0" fontAlgn="base" hangingPunct="0">
-              <a:spcBef>
-                <a:spcPct val="0"/>
-              </a:spcBef>
-              <a:spcAft>
-                <a:spcPct val="0"/>
-              </a:spcAft>
-              <a:defRPr sz="1600">
-                <a:solidFill>
-                  <a:schemeClr val="tx1"/>
-                </a:solidFill>
-                <a:latin typeface="Arial" panose="020B0604020202020204" pitchFamily="34" charset="0"/>
-              </a:defRPr>
-            </a:lvl9pPr>
-          </a:lstStyle>
-          <a:p>
-            <a:fld id="{93F29842-F5A0-7642-ACF7-58545FE8A4F9}" type="slidenum">
-              <a:rPr lang="en-AU" altLang="en-US" sz="1300" smtClean="0">
-                <a:latin typeface="Times New Roman" panose="02020603050405020304" pitchFamily="18" charset="0"/>
-              </a:rPr>
-              <a:pPr/>
-              <a:t>33</a:t>
-            </a:fld>
-            <a:endParaRPr lang="en-AU" altLang="en-US" sz="1300">
-              <a:latin typeface="Times New Roman" panose="02020603050405020304" pitchFamily="18" charset="0"/>
-            </a:endParaRPr>
-          </a:p>
-        </p:txBody>
-      </p:sp>
-      <p:sp>
-        <p:nvSpPr>
-          <p:cNvPr id="129030" name="Rectangle 2">
-            <a:extLst>
-              <a:ext uri="{FF2B5EF4-FFF2-40B4-BE49-F238E27FC236}">
-                <a16:creationId xmlns:a16="http://schemas.microsoft.com/office/drawing/2014/main" id="{CDFF0D46-9F0E-934B-A2DD-520F9CAF3D37}"/>
-              </a:ext>
-            </a:extLst>
-          </p:cNvPr>
-          <p:cNvSpPr>
-            <a:spLocks noGrp="1" noRot="1" noChangeAspect="1" noChangeArrowheads="1" noTextEdit="1"/>
-          </p:cNvSpPr>
-          <p:nvPr>
-            <p:ph type="sldImg"/>
-          </p:nvPr>
-        </p:nvSpPr>
-        <p:spPr>
-          <a:ln/>
-        </p:spPr>
-      </p:sp>
-      <p:sp>
-        <p:nvSpPr>
-          <p:cNvPr id="129031" name="Rectangle 3">
-            <a:extLst>
-              <a:ext uri="{FF2B5EF4-FFF2-40B4-BE49-F238E27FC236}">
-                <a16:creationId xmlns:a16="http://schemas.microsoft.com/office/drawing/2014/main" id="{20162998-705B-234A-97FE-ECBB09EA896C}"/>
-              </a:ext>
-            </a:extLst>
-          </p:cNvPr>
-          <p:cNvSpPr>
-            <a:spLocks noGrp="1" noChangeArrowheads="1"/>
-          </p:cNvSpPr>
-          <p:nvPr>
-            <p:ph type="body" idx="1"/>
-          </p:nvPr>
-        </p:nvSpPr>
-        <p:spPr>
-          <a:noFill/>
-          <a:ln/>
-          <a:extLst>
-            <a:ext uri="{909E8E84-426E-40DD-AFC4-6F175D3DCCD1}">
-              <a14:hiddenFill xmlns:a14="http://schemas.microsoft.com/office/drawing/2010/main">
-                <a:solidFill>
-                  <a:srgbClr val="FFFFFF"/>
-                </a:solidFill>
-              </a14:hiddenFill>
-            </a:ext>
-            <a:ext uri="{91240B29-F687-4F45-9708-019B960494DF}">
-              <a14:hiddenLine xmlns:a14="http://schemas.microsoft.com/office/drawing/2010/main" w="9525">
-                <a:solidFill>
-                  <a:srgbClr val="000000"/>
-                </a:solidFill>
-                <a:miter lim="800000"/>
-                <a:headEnd/>
-                <a:tailEnd/>
-              </a14:hiddenLine>
-            </a:ext>
-          </a:extLst>
-        </p:spPr>
-        <p:txBody>
-          <a:bodyPr/>
-          <a:lstStyle/>
-          <a:p>
-            <a:endParaRPr lang="en-US" altLang="en-US"/>
-          </a:p>
-        </p:txBody>
-      </p:sp>
-    </p:spTree>
-    <p:extLst>
-      <p:ext uri="{BB962C8B-B14F-4D97-AF65-F5344CB8AC3E}">
-        <p14:creationId xmlns:p14="http://schemas.microsoft.com/office/powerpoint/2010/main" val="1262461069"/>
       </p:ext>
     </p:extLst>
   </p:cSld>
@@ -16675,6 +16668,707 @@
       </p:grpSpPr>
       <p:sp>
         <p:nvSpPr>
+          <p:cNvPr id="129026" name="Rectangle 2">
+            <a:extLst>
+              <a:ext uri="{FF2B5EF4-FFF2-40B4-BE49-F238E27FC236}">
+                <a16:creationId xmlns:a16="http://schemas.microsoft.com/office/drawing/2014/main" id="{BBA2DB8F-1100-084B-B1D1-3E36E5BEEE99}"/>
+              </a:ext>
+            </a:extLst>
+          </p:cNvPr>
+          <p:cNvSpPr>
+            <a:spLocks noGrp="1" noChangeArrowheads="1"/>
+          </p:cNvSpPr>
+          <p:nvPr>
+            <p:ph type="hdr" sz="quarter"/>
+          </p:nvPr>
+        </p:nvSpPr>
+        <p:spPr>
+          <a:noFill/>
+          <a:ln/>
+          <a:extLst>
+            <a:ext uri="{909E8E84-426E-40DD-AFC4-6F175D3DCCD1}">
+              <a14:hiddenFill xmlns:a14="http://schemas.microsoft.com/office/drawing/2010/main">
+                <a:solidFill>
+                  <a:srgbClr val="FFFFFF"/>
+                </a:solidFill>
+              </a14:hiddenFill>
+            </a:ext>
+            <a:ext uri="{91240B29-F687-4F45-9708-019B960494DF}">
+              <a14:hiddenLine xmlns:a14="http://schemas.microsoft.com/office/drawing/2010/main" w="9525">
+                <a:solidFill>
+                  <a:srgbClr val="000000"/>
+                </a:solidFill>
+                <a:miter lim="800000"/>
+                <a:headEnd/>
+                <a:tailEnd/>
+              </a14:hiddenLine>
+            </a:ext>
+          </a:extLst>
+        </p:spPr>
+        <p:txBody>
+          <a:bodyPr/>
+          <a:lstStyle>
+            <a:lvl1pPr defTabSz="966788">
+              <a:defRPr sz="1600">
+                <a:solidFill>
+                  <a:schemeClr val="tx1"/>
+                </a:solidFill>
+                <a:latin typeface="Arial" panose="020B0604020202020204" pitchFamily="34" charset="0"/>
+              </a:defRPr>
+            </a:lvl1pPr>
+            <a:lvl2pPr marL="742950" indent="-285750" defTabSz="966788">
+              <a:defRPr sz="1600">
+                <a:solidFill>
+                  <a:schemeClr val="tx1"/>
+                </a:solidFill>
+                <a:latin typeface="Arial" panose="020B0604020202020204" pitchFamily="34" charset="0"/>
+              </a:defRPr>
+            </a:lvl2pPr>
+            <a:lvl3pPr marL="1143000" indent="-228600" defTabSz="966788">
+              <a:defRPr sz="1600">
+                <a:solidFill>
+                  <a:schemeClr val="tx1"/>
+                </a:solidFill>
+                <a:latin typeface="Arial" panose="020B0604020202020204" pitchFamily="34" charset="0"/>
+              </a:defRPr>
+            </a:lvl3pPr>
+            <a:lvl4pPr marL="1600200" indent="-228600" defTabSz="966788">
+              <a:defRPr sz="1600">
+                <a:solidFill>
+                  <a:schemeClr val="tx1"/>
+                </a:solidFill>
+                <a:latin typeface="Arial" panose="020B0604020202020204" pitchFamily="34" charset="0"/>
+              </a:defRPr>
+            </a:lvl4pPr>
+            <a:lvl5pPr marL="2057400" indent="-228600" defTabSz="966788">
+              <a:defRPr sz="1600">
+                <a:solidFill>
+                  <a:schemeClr val="tx1"/>
+                </a:solidFill>
+                <a:latin typeface="Arial" panose="020B0604020202020204" pitchFamily="34" charset="0"/>
+              </a:defRPr>
+            </a:lvl5pPr>
+            <a:lvl6pPr marL="2514600" indent="-228600" defTabSz="966788" eaLnBrk="0" fontAlgn="base" hangingPunct="0">
+              <a:spcBef>
+                <a:spcPct val="0"/>
+              </a:spcBef>
+              <a:spcAft>
+                <a:spcPct val="0"/>
+              </a:spcAft>
+              <a:defRPr sz="1600">
+                <a:solidFill>
+                  <a:schemeClr val="tx1"/>
+                </a:solidFill>
+                <a:latin typeface="Arial" panose="020B0604020202020204" pitchFamily="34" charset="0"/>
+              </a:defRPr>
+            </a:lvl6pPr>
+            <a:lvl7pPr marL="2971800" indent="-228600" defTabSz="966788" eaLnBrk="0" fontAlgn="base" hangingPunct="0">
+              <a:spcBef>
+                <a:spcPct val="0"/>
+              </a:spcBef>
+              <a:spcAft>
+                <a:spcPct val="0"/>
+              </a:spcAft>
+              <a:defRPr sz="1600">
+                <a:solidFill>
+                  <a:schemeClr val="tx1"/>
+                </a:solidFill>
+                <a:latin typeface="Arial" panose="020B0604020202020204" pitchFamily="34" charset="0"/>
+              </a:defRPr>
+            </a:lvl7pPr>
+            <a:lvl8pPr marL="3429000" indent="-228600" defTabSz="966788" eaLnBrk="0" fontAlgn="base" hangingPunct="0">
+              <a:spcBef>
+                <a:spcPct val="0"/>
+              </a:spcBef>
+              <a:spcAft>
+                <a:spcPct val="0"/>
+              </a:spcAft>
+              <a:defRPr sz="1600">
+                <a:solidFill>
+                  <a:schemeClr val="tx1"/>
+                </a:solidFill>
+                <a:latin typeface="Arial" panose="020B0604020202020204" pitchFamily="34" charset="0"/>
+              </a:defRPr>
+            </a:lvl8pPr>
+            <a:lvl9pPr marL="3886200" indent="-228600" defTabSz="966788" eaLnBrk="0" fontAlgn="base" hangingPunct="0">
+              <a:spcBef>
+                <a:spcPct val="0"/>
+              </a:spcBef>
+              <a:spcAft>
+                <a:spcPct val="0"/>
+              </a:spcAft>
+              <a:defRPr sz="1600">
+                <a:solidFill>
+                  <a:schemeClr val="tx1"/>
+                </a:solidFill>
+                <a:latin typeface="Arial" panose="020B0604020202020204" pitchFamily="34" charset="0"/>
+              </a:defRPr>
+            </a:lvl9pPr>
+          </a:lstStyle>
+          <a:p>
+            <a:r>
+              <a:rPr lang="en-AU" altLang="en-US" sz="1300">
+                <a:latin typeface="Times New Roman" panose="02020603050405020304" pitchFamily="18" charset="0"/>
+              </a:rPr>
+              <a:t>Morgan Kaufmann Publishers</a:t>
+            </a:r>
+          </a:p>
+        </p:txBody>
+      </p:sp>
+      <p:sp>
+        <p:nvSpPr>
+          <p:cNvPr id="129027" name="Rectangle 3">
+            <a:extLst>
+              <a:ext uri="{FF2B5EF4-FFF2-40B4-BE49-F238E27FC236}">
+                <a16:creationId xmlns:a16="http://schemas.microsoft.com/office/drawing/2014/main" id="{7F7B7FA8-D4EB-7644-8E15-7AE22F2B94BF}"/>
+              </a:ext>
+            </a:extLst>
+          </p:cNvPr>
+          <p:cNvSpPr>
+            <a:spLocks noGrp="1" noChangeArrowheads="1"/>
+          </p:cNvSpPr>
+          <p:nvPr>
+            <p:ph type="dt" sz="quarter" idx="1"/>
+          </p:nvPr>
+        </p:nvSpPr>
+        <p:spPr>
+          <a:noFill/>
+          <a:ln/>
+          <a:extLst>
+            <a:ext uri="{909E8E84-426E-40DD-AFC4-6F175D3DCCD1}">
+              <a14:hiddenFill xmlns:a14="http://schemas.microsoft.com/office/drawing/2010/main">
+                <a:solidFill>
+                  <a:srgbClr val="FFFFFF"/>
+                </a:solidFill>
+              </a14:hiddenFill>
+            </a:ext>
+            <a:ext uri="{91240B29-F687-4F45-9708-019B960494DF}">
+              <a14:hiddenLine xmlns:a14="http://schemas.microsoft.com/office/drawing/2010/main" w="9525">
+                <a:solidFill>
+                  <a:srgbClr val="000000"/>
+                </a:solidFill>
+                <a:miter lim="800000"/>
+                <a:headEnd/>
+                <a:tailEnd/>
+              </a14:hiddenLine>
+            </a:ext>
+          </a:extLst>
+        </p:spPr>
+        <p:txBody>
+          <a:bodyPr/>
+          <a:lstStyle>
+            <a:lvl1pPr defTabSz="966788">
+              <a:defRPr sz="1600">
+                <a:solidFill>
+                  <a:schemeClr val="tx1"/>
+                </a:solidFill>
+                <a:latin typeface="Arial" panose="020B0604020202020204" pitchFamily="34" charset="0"/>
+              </a:defRPr>
+            </a:lvl1pPr>
+            <a:lvl2pPr marL="742950" indent="-285750" defTabSz="966788">
+              <a:defRPr sz="1600">
+                <a:solidFill>
+                  <a:schemeClr val="tx1"/>
+                </a:solidFill>
+                <a:latin typeface="Arial" panose="020B0604020202020204" pitchFamily="34" charset="0"/>
+              </a:defRPr>
+            </a:lvl2pPr>
+            <a:lvl3pPr marL="1143000" indent="-228600" defTabSz="966788">
+              <a:defRPr sz="1600">
+                <a:solidFill>
+                  <a:schemeClr val="tx1"/>
+                </a:solidFill>
+                <a:latin typeface="Arial" panose="020B0604020202020204" pitchFamily="34" charset="0"/>
+              </a:defRPr>
+            </a:lvl3pPr>
+            <a:lvl4pPr marL="1600200" indent="-228600" defTabSz="966788">
+              <a:defRPr sz="1600">
+                <a:solidFill>
+                  <a:schemeClr val="tx1"/>
+                </a:solidFill>
+                <a:latin typeface="Arial" panose="020B0604020202020204" pitchFamily="34" charset="0"/>
+              </a:defRPr>
+            </a:lvl4pPr>
+            <a:lvl5pPr marL="2057400" indent="-228600" defTabSz="966788">
+              <a:defRPr sz="1600">
+                <a:solidFill>
+                  <a:schemeClr val="tx1"/>
+                </a:solidFill>
+                <a:latin typeface="Arial" panose="020B0604020202020204" pitchFamily="34" charset="0"/>
+              </a:defRPr>
+            </a:lvl5pPr>
+            <a:lvl6pPr marL="2514600" indent="-228600" defTabSz="966788" eaLnBrk="0" fontAlgn="base" hangingPunct="0">
+              <a:spcBef>
+                <a:spcPct val="0"/>
+              </a:spcBef>
+              <a:spcAft>
+                <a:spcPct val="0"/>
+              </a:spcAft>
+              <a:defRPr sz="1600">
+                <a:solidFill>
+                  <a:schemeClr val="tx1"/>
+                </a:solidFill>
+                <a:latin typeface="Arial" panose="020B0604020202020204" pitchFamily="34" charset="0"/>
+              </a:defRPr>
+            </a:lvl6pPr>
+            <a:lvl7pPr marL="2971800" indent="-228600" defTabSz="966788" eaLnBrk="0" fontAlgn="base" hangingPunct="0">
+              <a:spcBef>
+                <a:spcPct val="0"/>
+              </a:spcBef>
+              <a:spcAft>
+                <a:spcPct val="0"/>
+              </a:spcAft>
+              <a:defRPr sz="1600">
+                <a:solidFill>
+                  <a:schemeClr val="tx1"/>
+                </a:solidFill>
+                <a:latin typeface="Arial" panose="020B0604020202020204" pitchFamily="34" charset="0"/>
+              </a:defRPr>
+            </a:lvl7pPr>
+            <a:lvl8pPr marL="3429000" indent="-228600" defTabSz="966788" eaLnBrk="0" fontAlgn="base" hangingPunct="0">
+              <a:spcBef>
+                <a:spcPct val="0"/>
+              </a:spcBef>
+              <a:spcAft>
+                <a:spcPct val="0"/>
+              </a:spcAft>
+              <a:defRPr sz="1600">
+                <a:solidFill>
+                  <a:schemeClr val="tx1"/>
+                </a:solidFill>
+                <a:latin typeface="Arial" panose="020B0604020202020204" pitchFamily="34" charset="0"/>
+              </a:defRPr>
+            </a:lvl8pPr>
+            <a:lvl9pPr marL="3886200" indent="-228600" defTabSz="966788" eaLnBrk="0" fontAlgn="base" hangingPunct="0">
+              <a:spcBef>
+                <a:spcPct val="0"/>
+              </a:spcBef>
+              <a:spcAft>
+                <a:spcPct val="0"/>
+              </a:spcAft>
+              <a:defRPr sz="1600">
+                <a:solidFill>
+                  <a:schemeClr val="tx1"/>
+                </a:solidFill>
+                <a:latin typeface="Arial" panose="020B0604020202020204" pitchFamily="34" charset="0"/>
+              </a:defRPr>
+            </a:lvl9pPr>
+          </a:lstStyle>
+          <a:p>
+            <a:fld id="{71BF4A84-EE3B-2A46-979D-0333E0D95AFC}" type="datetime3">
+              <a:rPr lang="en-AU" altLang="en-US" sz="1300" smtClean="0">
+                <a:latin typeface="Times New Roman" panose="02020603050405020304" pitchFamily="18" charset="0"/>
+              </a:rPr>
+              <a:pPr/>
+              <a:t>1 December, 2022</a:t>
+            </a:fld>
+            <a:endParaRPr lang="en-AU" altLang="en-US" sz="1300">
+              <a:latin typeface="Times New Roman" panose="02020603050405020304" pitchFamily="18" charset="0"/>
+            </a:endParaRPr>
+          </a:p>
+        </p:txBody>
+      </p:sp>
+      <p:sp>
+        <p:nvSpPr>
+          <p:cNvPr id="129028" name="Rectangle 6">
+            <a:extLst>
+              <a:ext uri="{FF2B5EF4-FFF2-40B4-BE49-F238E27FC236}">
+                <a16:creationId xmlns:a16="http://schemas.microsoft.com/office/drawing/2014/main" id="{3917A0CA-BCCF-2E4D-BE79-5C5466154DA0}"/>
+              </a:ext>
+            </a:extLst>
+          </p:cNvPr>
+          <p:cNvSpPr>
+            <a:spLocks noGrp="1" noChangeArrowheads="1"/>
+          </p:cNvSpPr>
+          <p:nvPr>
+            <p:ph type="ftr" sz="quarter" idx="4"/>
+          </p:nvPr>
+        </p:nvSpPr>
+        <p:spPr>
+          <a:noFill/>
+          <a:ln/>
+          <a:extLst>
+            <a:ext uri="{909E8E84-426E-40DD-AFC4-6F175D3DCCD1}">
+              <a14:hiddenFill xmlns:a14="http://schemas.microsoft.com/office/drawing/2010/main">
+                <a:solidFill>
+                  <a:srgbClr val="FFFFFF"/>
+                </a:solidFill>
+              </a14:hiddenFill>
+            </a:ext>
+            <a:ext uri="{91240B29-F687-4F45-9708-019B960494DF}">
+              <a14:hiddenLine xmlns:a14="http://schemas.microsoft.com/office/drawing/2010/main" w="9525">
+                <a:solidFill>
+                  <a:srgbClr val="000000"/>
+                </a:solidFill>
+                <a:miter lim="800000"/>
+                <a:headEnd/>
+                <a:tailEnd/>
+              </a14:hiddenLine>
+            </a:ext>
+          </a:extLst>
+        </p:spPr>
+        <p:txBody>
+          <a:bodyPr/>
+          <a:lstStyle>
+            <a:lvl1pPr defTabSz="966788">
+              <a:defRPr sz="1600">
+                <a:solidFill>
+                  <a:schemeClr val="tx1"/>
+                </a:solidFill>
+                <a:latin typeface="Arial" panose="020B0604020202020204" pitchFamily="34" charset="0"/>
+              </a:defRPr>
+            </a:lvl1pPr>
+            <a:lvl2pPr marL="742950" indent="-285750" defTabSz="966788">
+              <a:defRPr sz="1600">
+                <a:solidFill>
+                  <a:schemeClr val="tx1"/>
+                </a:solidFill>
+                <a:latin typeface="Arial" panose="020B0604020202020204" pitchFamily="34" charset="0"/>
+              </a:defRPr>
+            </a:lvl2pPr>
+            <a:lvl3pPr marL="1143000" indent="-228600" defTabSz="966788">
+              <a:defRPr sz="1600">
+                <a:solidFill>
+                  <a:schemeClr val="tx1"/>
+                </a:solidFill>
+                <a:latin typeface="Arial" panose="020B0604020202020204" pitchFamily="34" charset="0"/>
+              </a:defRPr>
+            </a:lvl3pPr>
+            <a:lvl4pPr marL="1600200" indent="-228600" defTabSz="966788">
+              <a:defRPr sz="1600">
+                <a:solidFill>
+                  <a:schemeClr val="tx1"/>
+                </a:solidFill>
+                <a:latin typeface="Arial" panose="020B0604020202020204" pitchFamily="34" charset="0"/>
+              </a:defRPr>
+            </a:lvl4pPr>
+            <a:lvl5pPr marL="2057400" indent="-228600" defTabSz="966788">
+              <a:defRPr sz="1600">
+                <a:solidFill>
+                  <a:schemeClr val="tx1"/>
+                </a:solidFill>
+                <a:latin typeface="Arial" panose="020B0604020202020204" pitchFamily="34" charset="0"/>
+              </a:defRPr>
+            </a:lvl5pPr>
+            <a:lvl6pPr marL="2514600" indent="-228600" defTabSz="966788" eaLnBrk="0" fontAlgn="base" hangingPunct="0">
+              <a:spcBef>
+                <a:spcPct val="0"/>
+              </a:spcBef>
+              <a:spcAft>
+                <a:spcPct val="0"/>
+              </a:spcAft>
+              <a:defRPr sz="1600">
+                <a:solidFill>
+                  <a:schemeClr val="tx1"/>
+                </a:solidFill>
+                <a:latin typeface="Arial" panose="020B0604020202020204" pitchFamily="34" charset="0"/>
+              </a:defRPr>
+            </a:lvl6pPr>
+            <a:lvl7pPr marL="2971800" indent="-228600" defTabSz="966788" eaLnBrk="0" fontAlgn="base" hangingPunct="0">
+              <a:spcBef>
+                <a:spcPct val="0"/>
+              </a:spcBef>
+              <a:spcAft>
+                <a:spcPct val="0"/>
+              </a:spcAft>
+              <a:defRPr sz="1600">
+                <a:solidFill>
+                  <a:schemeClr val="tx1"/>
+                </a:solidFill>
+                <a:latin typeface="Arial" panose="020B0604020202020204" pitchFamily="34" charset="0"/>
+              </a:defRPr>
+            </a:lvl7pPr>
+            <a:lvl8pPr marL="3429000" indent="-228600" defTabSz="966788" eaLnBrk="0" fontAlgn="base" hangingPunct="0">
+              <a:spcBef>
+                <a:spcPct val="0"/>
+              </a:spcBef>
+              <a:spcAft>
+                <a:spcPct val="0"/>
+              </a:spcAft>
+              <a:defRPr sz="1600">
+                <a:solidFill>
+                  <a:schemeClr val="tx1"/>
+                </a:solidFill>
+                <a:latin typeface="Arial" panose="020B0604020202020204" pitchFamily="34" charset="0"/>
+              </a:defRPr>
+            </a:lvl8pPr>
+            <a:lvl9pPr marL="3886200" indent="-228600" defTabSz="966788" eaLnBrk="0" fontAlgn="base" hangingPunct="0">
+              <a:spcBef>
+                <a:spcPct val="0"/>
+              </a:spcBef>
+              <a:spcAft>
+                <a:spcPct val="0"/>
+              </a:spcAft>
+              <a:defRPr sz="1600">
+                <a:solidFill>
+                  <a:schemeClr val="tx1"/>
+                </a:solidFill>
+                <a:latin typeface="Arial" panose="020B0604020202020204" pitchFamily="34" charset="0"/>
+              </a:defRPr>
+            </a:lvl9pPr>
+          </a:lstStyle>
+          <a:p>
+            <a:r>
+              <a:rPr lang="en-AU" altLang="en-US" sz="1300">
+                <a:latin typeface="Times New Roman" panose="02020603050405020304" pitchFamily="18" charset="0"/>
+              </a:rPr>
+              <a:t>Chapter 4 — The Processor</a:t>
+            </a:r>
+          </a:p>
+        </p:txBody>
+      </p:sp>
+      <p:sp>
+        <p:nvSpPr>
+          <p:cNvPr id="129029" name="Rectangle 7">
+            <a:extLst>
+              <a:ext uri="{FF2B5EF4-FFF2-40B4-BE49-F238E27FC236}">
+                <a16:creationId xmlns:a16="http://schemas.microsoft.com/office/drawing/2014/main" id="{2D6A2F37-C82D-194F-AF6F-63055C9575F3}"/>
+              </a:ext>
+            </a:extLst>
+          </p:cNvPr>
+          <p:cNvSpPr>
+            <a:spLocks noGrp="1" noChangeArrowheads="1"/>
+          </p:cNvSpPr>
+          <p:nvPr>
+            <p:ph type="sldNum" sz="quarter" idx="5"/>
+          </p:nvPr>
+        </p:nvSpPr>
+        <p:spPr>
+          <a:noFill/>
+          <a:ln/>
+          <a:extLst>
+            <a:ext uri="{909E8E84-426E-40DD-AFC4-6F175D3DCCD1}">
+              <a14:hiddenFill xmlns:a14="http://schemas.microsoft.com/office/drawing/2010/main">
+                <a:solidFill>
+                  <a:srgbClr val="FFFFFF"/>
+                </a:solidFill>
+              </a14:hiddenFill>
+            </a:ext>
+            <a:ext uri="{91240B29-F687-4F45-9708-019B960494DF}">
+              <a14:hiddenLine xmlns:a14="http://schemas.microsoft.com/office/drawing/2010/main" w="9525">
+                <a:solidFill>
+                  <a:srgbClr val="000000"/>
+                </a:solidFill>
+                <a:miter lim="800000"/>
+                <a:headEnd/>
+                <a:tailEnd/>
+              </a14:hiddenLine>
+            </a:ext>
+          </a:extLst>
+        </p:spPr>
+        <p:txBody>
+          <a:bodyPr/>
+          <a:lstStyle>
+            <a:lvl1pPr defTabSz="966788">
+              <a:defRPr sz="1600">
+                <a:solidFill>
+                  <a:schemeClr val="tx1"/>
+                </a:solidFill>
+                <a:latin typeface="Arial" panose="020B0604020202020204" pitchFamily="34" charset="0"/>
+              </a:defRPr>
+            </a:lvl1pPr>
+            <a:lvl2pPr marL="742950" indent="-285750" defTabSz="966788">
+              <a:defRPr sz="1600">
+                <a:solidFill>
+                  <a:schemeClr val="tx1"/>
+                </a:solidFill>
+                <a:latin typeface="Arial" panose="020B0604020202020204" pitchFamily="34" charset="0"/>
+              </a:defRPr>
+            </a:lvl2pPr>
+            <a:lvl3pPr marL="1143000" indent="-228600" defTabSz="966788">
+              <a:defRPr sz="1600">
+                <a:solidFill>
+                  <a:schemeClr val="tx1"/>
+                </a:solidFill>
+                <a:latin typeface="Arial" panose="020B0604020202020204" pitchFamily="34" charset="0"/>
+              </a:defRPr>
+            </a:lvl3pPr>
+            <a:lvl4pPr marL="1600200" indent="-228600" defTabSz="966788">
+              <a:defRPr sz="1600">
+                <a:solidFill>
+                  <a:schemeClr val="tx1"/>
+                </a:solidFill>
+                <a:latin typeface="Arial" panose="020B0604020202020204" pitchFamily="34" charset="0"/>
+              </a:defRPr>
+            </a:lvl4pPr>
+            <a:lvl5pPr marL="2057400" indent="-228600" defTabSz="966788">
+              <a:defRPr sz="1600">
+                <a:solidFill>
+                  <a:schemeClr val="tx1"/>
+                </a:solidFill>
+                <a:latin typeface="Arial" panose="020B0604020202020204" pitchFamily="34" charset="0"/>
+              </a:defRPr>
+            </a:lvl5pPr>
+            <a:lvl6pPr marL="2514600" indent="-228600" defTabSz="966788" eaLnBrk="0" fontAlgn="base" hangingPunct="0">
+              <a:spcBef>
+                <a:spcPct val="0"/>
+              </a:spcBef>
+              <a:spcAft>
+                <a:spcPct val="0"/>
+              </a:spcAft>
+              <a:defRPr sz="1600">
+                <a:solidFill>
+                  <a:schemeClr val="tx1"/>
+                </a:solidFill>
+                <a:latin typeface="Arial" panose="020B0604020202020204" pitchFamily="34" charset="0"/>
+              </a:defRPr>
+            </a:lvl6pPr>
+            <a:lvl7pPr marL="2971800" indent="-228600" defTabSz="966788" eaLnBrk="0" fontAlgn="base" hangingPunct="0">
+              <a:spcBef>
+                <a:spcPct val="0"/>
+              </a:spcBef>
+              <a:spcAft>
+                <a:spcPct val="0"/>
+              </a:spcAft>
+              <a:defRPr sz="1600">
+                <a:solidFill>
+                  <a:schemeClr val="tx1"/>
+                </a:solidFill>
+                <a:latin typeface="Arial" panose="020B0604020202020204" pitchFamily="34" charset="0"/>
+              </a:defRPr>
+            </a:lvl7pPr>
+            <a:lvl8pPr marL="3429000" indent="-228600" defTabSz="966788" eaLnBrk="0" fontAlgn="base" hangingPunct="0">
+              <a:spcBef>
+                <a:spcPct val="0"/>
+              </a:spcBef>
+              <a:spcAft>
+                <a:spcPct val="0"/>
+              </a:spcAft>
+              <a:defRPr sz="1600">
+                <a:solidFill>
+                  <a:schemeClr val="tx1"/>
+                </a:solidFill>
+                <a:latin typeface="Arial" panose="020B0604020202020204" pitchFamily="34" charset="0"/>
+              </a:defRPr>
+            </a:lvl8pPr>
+            <a:lvl9pPr marL="3886200" indent="-228600" defTabSz="966788" eaLnBrk="0" fontAlgn="base" hangingPunct="0">
+              <a:spcBef>
+                <a:spcPct val="0"/>
+              </a:spcBef>
+              <a:spcAft>
+                <a:spcPct val="0"/>
+              </a:spcAft>
+              <a:defRPr sz="1600">
+                <a:solidFill>
+                  <a:schemeClr val="tx1"/>
+                </a:solidFill>
+                <a:latin typeface="Arial" panose="020B0604020202020204" pitchFamily="34" charset="0"/>
+              </a:defRPr>
+            </a:lvl9pPr>
+          </a:lstStyle>
+          <a:p>
+            <a:fld id="{93F29842-F5A0-7642-ACF7-58545FE8A4F9}" type="slidenum">
+              <a:rPr lang="en-AU" altLang="en-US" sz="1300" smtClean="0">
+                <a:latin typeface="Times New Roman" panose="02020603050405020304" pitchFamily="18" charset="0"/>
+              </a:rPr>
+              <a:pPr/>
+              <a:t>34</a:t>
+            </a:fld>
+            <a:endParaRPr lang="en-AU" altLang="en-US" sz="1300">
+              <a:latin typeface="Times New Roman" panose="02020603050405020304" pitchFamily="18" charset="0"/>
+            </a:endParaRPr>
+          </a:p>
+        </p:txBody>
+      </p:sp>
+      <p:sp>
+        <p:nvSpPr>
+          <p:cNvPr id="129030" name="Rectangle 2">
+            <a:extLst>
+              <a:ext uri="{FF2B5EF4-FFF2-40B4-BE49-F238E27FC236}">
+                <a16:creationId xmlns:a16="http://schemas.microsoft.com/office/drawing/2014/main" id="{CDFF0D46-9F0E-934B-A2DD-520F9CAF3D37}"/>
+              </a:ext>
+            </a:extLst>
+          </p:cNvPr>
+          <p:cNvSpPr>
+            <a:spLocks noGrp="1" noRot="1" noChangeAspect="1" noChangeArrowheads="1" noTextEdit="1"/>
+          </p:cNvSpPr>
+          <p:nvPr>
+            <p:ph type="sldImg"/>
+          </p:nvPr>
+        </p:nvSpPr>
+        <p:spPr>
+          <a:ln/>
+        </p:spPr>
+      </p:sp>
+      <p:sp>
+        <p:nvSpPr>
+          <p:cNvPr id="129031" name="Rectangle 3">
+            <a:extLst>
+              <a:ext uri="{FF2B5EF4-FFF2-40B4-BE49-F238E27FC236}">
+                <a16:creationId xmlns:a16="http://schemas.microsoft.com/office/drawing/2014/main" id="{20162998-705B-234A-97FE-ECBB09EA896C}"/>
+              </a:ext>
+            </a:extLst>
+          </p:cNvPr>
+          <p:cNvSpPr>
+            <a:spLocks noGrp="1" noChangeArrowheads="1"/>
+          </p:cNvSpPr>
+          <p:nvPr>
+            <p:ph type="body" idx="1"/>
+          </p:nvPr>
+        </p:nvSpPr>
+        <p:spPr>
+          <a:noFill/>
+          <a:ln/>
+          <a:extLst>
+            <a:ext uri="{909E8E84-426E-40DD-AFC4-6F175D3DCCD1}">
+              <a14:hiddenFill xmlns:a14="http://schemas.microsoft.com/office/drawing/2010/main">
+                <a:solidFill>
+                  <a:srgbClr val="FFFFFF"/>
+                </a:solidFill>
+              </a14:hiddenFill>
+            </a:ext>
+            <a:ext uri="{91240B29-F687-4F45-9708-019B960494DF}">
+              <a14:hiddenLine xmlns:a14="http://schemas.microsoft.com/office/drawing/2010/main" w="9525">
+                <a:solidFill>
+                  <a:srgbClr val="000000"/>
+                </a:solidFill>
+                <a:miter lim="800000"/>
+                <a:headEnd/>
+                <a:tailEnd/>
+              </a14:hiddenLine>
+            </a:ext>
+          </a:extLst>
+        </p:spPr>
+        <p:txBody>
+          <a:bodyPr/>
+          <a:lstStyle/>
+          <a:p>
+            <a:endParaRPr lang="en-US" altLang="en-US"/>
+          </a:p>
+        </p:txBody>
+      </p:sp>
+    </p:spTree>
+    <p:extLst>
+      <p:ext uri="{BB962C8B-B14F-4D97-AF65-F5344CB8AC3E}">
+        <p14:creationId xmlns:p14="http://schemas.microsoft.com/office/powerpoint/2010/main" val="1262461069"/>
+      </p:ext>
+    </p:extLst>
+  </p:cSld>
+  <p:clrMapOvr>
+    <a:masterClrMapping/>
+  </p:clrMapOvr>
+</p:notes>
+</file>
+
+<file path=ppt/notesSlides/notesSlide31.xml><?xml version="1.0" encoding="utf-8"?>
+<p:notes xmlns:a="http://schemas.openxmlformats.org/drawingml/2006/main" xmlns:r="http://schemas.openxmlformats.org/officeDocument/2006/relationships" xmlns:p="http://schemas.openxmlformats.org/presentationml/2006/main">
+  <p:cSld>
+    <p:spTree>
+      <p:nvGrpSpPr>
+        <p:cNvPr id="1" name=""/>
+        <p:cNvGrpSpPr/>
+        <p:nvPr/>
+      </p:nvGrpSpPr>
+      <p:grpSpPr>
+        <a:xfrm>
+          <a:off x="0" y="0"/>
+          <a:ext cx="0" cy="0"/>
+          <a:chOff x="0" y="0"/>
+          <a:chExt cx="0" cy="0"/>
+        </a:xfrm>
+      </p:grpSpPr>
+      <p:sp>
+        <p:nvSpPr>
           <p:cNvPr id="131074" name="Rectangle 2">
             <a:extLst>
               <a:ext uri="{FF2B5EF4-FFF2-40B4-BE49-F238E27FC236}">
@@ -17269,7 +17963,7 @@
                 <a:latin typeface="Times New Roman" panose="02020603050405020304" pitchFamily="18" charset="0"/>
               </a:rPr>
               <a:pPr/>
-              <a:t>34</a:t>
+              <a:t>35</a:t>
             </a:fld>
             <a:endParaRPr lang="en-AU" altLang="en-US" sz="1300">
               <a:latin typeface="Times New Roman" panose="02020603050405020304" pitchFamily="18" charset="0"/>
@@ -31935,6 +32629,159 @@
       </p:grpSpPr>
       <p:sp>
         <p:nvSpPr>
+          <p:cNvPr id="125955" name="Rectangle 2">
+            <a:extLst>
+              <a:ext uri="{FF2B5EF4-FFF2-40B4-BE49-F238E27FC236}">
+                <a16:creationId xmlns:a16="http://schemas.microsoft.com/office/drawing/2014/main" id="{4D973B11-E702-3F4F-9461-83CF78502940}"/>
+              </a:ext>
+            </a:extLst>
+          </p:cNvPr>
+          <p:cNvSpPr>
+            <a:spLocks noGrp="1" noChangeArrowheads="1"/>
+          </p:cNvSpPr>
+          <p:nvPr>
+            <p:ph type="title"/>
+          </p:nvPr>
+        </p:nvSpPr>
+        <p:spPr/>
+        <p:txBody>
+          <a:bodyPr/>
+          <a:lstStyle/>
+          <a:p>
+            <a:pPr eaLnBrk="1" hangingPunct="1"/>
+            <a:r>
+              <a:rPr lang="en-AU" altLang="en-US" dirty="0"/>
+              <a:t>Single-Cycle Pipeline Diagram</a:t>
+            </a:r>
+          </a:p>
+        </p:txBody>
+      </p:sp>
+      <p:sp>
+        <p:nvSpPr>
+          <p:cNvPr id="125956" name="Rectangle 3">
+            <a:extLst>
+              <a:ext uri="{FF2B5EF4-FFF2-40B4-BE49-F238E27FC236}">
+                <a16:creationId xmlns:a16="http://schemas.microsoft.com/office/drawing/2014/main" id="{D95F322D-790E-1C48-A692-FD8D316757C8}"/>
+              </a:ext>
+            </a:extLst>
+          </p:cNvPr>
+          <p:cNvSpPr>
+            <a:spLocks noGrp="1" noChangeArrowheads="1"/>
+          </p:cNvSpPr>
+          <p:nvPr>
+            <p:ph type="body" idx="1"/>
+          </p:nvPr>
+        </p:nvSpPr>
+        <p:spPr>
+          <a:xfrm>
+            <a:off x="1585170" y="1366838"/>
+            <a:ext cx="8270875" cy="647700"/>
+          </a:xfrm>
+        </p:spPr>
+        <p:txBody>
+          <a:bodyPr/>
+          <a:lstStyle/>
+          <a:p>
+            <a:pPr eaLnBrk="1" hangingPunct="1"/>
+            <a:r>
+              <a:rPr lang="en-AU" altLang="en-US" dirty="0"/>
+              <a:t>State of pipeline in a given cycle</a:t>
+            </a:r>
+          </a:p>
+        </p:txBody>
+      </p:sp>
+      <p:pic>
+        <p:nvPicPr>
+          <p:cNvPr id="125957" name="Picture 1">
+            <a:extLst>
+              <a:ext uri="{FF2B5EF4-FFF2-40B4-BE49-F238E27FC236}">
+                <a16:creationId xmlns:a16="http://schemas.microsoft.com/office/drawing/2014/main" id="{28477507-EA7A-C142-B14A-4E1B52BD06BF}"/>
+              </a:ext>
+            </a:extLst>
+          </p:cNvPr>
+          <p:cNvPicPr>
+            <a:picLocks noChangeAspect="1"/>
+          </p:cNvPicPr>
+          <p:nvPr/>
+        </p:nvPicPr>
+        <p:blipFill>
+          <a:blip r:embed="rId3">
+            <a:extLst>
+              <a:ext uri="{28A0092B-C50C-407E-A947-70E740481C1C}">
+                <a14:useLocalDpi xmlns:a14="http://schemas.microsoft.com/office/drawing/2010/main" val="0"/>
+              </a:ext>
+            </a:extLst>
+          </a:blip>
+          <a:srcRect/>
+          <a:stretch>
+            <a:fillRect/>
+          </a:stretch>
+        </p:blipFill>
+        <p:spPr bwMode="auto">
+          <a:xfrm>
+            <a:off x="1585170" y="2136775"/>
+            <a:ext cx="7993063" cy="4219575"/>
+          </a:xfrm>
+          <a:prstGeom prst="rect">
+            <a:avLst/>
+          </a:prstGeom>
+          <a:noFill/>
+          <a:ln>
+            <a:noFill/>
+          </a:ln>
+          <a:extLst>
+            <a:ext uri="{909E8E84-426E-40DD-AFC4-6F175D3DCCD1}">
+              <a14:hiddenFill xmlns:a14="http://schemas.microsoft.com/office/drawing/2010/main">
+                <a:solidFill>
+                  <a:srgbClr val="FFFFFF"/>
+                </a:solidFill>
+              </a14:hiddenFill>
+            </a:ext>
+            <a:ext uri="{91240B29-F687-4F45-9708-019B960494DF}">
+              <a14:hiddenLine xmlns:a14="http://schemas.microsoft.com/office/drawing/2010/main" w="9525">
+                <a:solidFill>
+                  <a:srgbClr val="000000"/>
+                </a:solidFill>
+                <a:miter lim="800000"/>
+                <a:headEnd/>
+                <a:tailEnd/>
+              </a14:hiddenLine>
+            </a:ext>
+          </a:extLst>
+        </p:spPr>
+      </p:pic>
+    </p:spTree>
+    <p:extLst>
+      <p:ext uri="{BB962C8B-B14F-4D97-AF65-F5344CB8AC3E}">
+        <p14:creationId xmlns:p14="http://schemas.microsoft.com/office/powerpoint/2010/main" val="539264549"/>
+      </p:ext>
+    </p:extLst>
+  </p:cSld>
+  <p:clrMapOvr>
+    <a:masterClrMapping/>
+  </p:clrMapOvr>
+</p:sld>
+</file>
+
+<file path=ppt/slides/slide32.xml><?xml version="1.0" encoding="utf-8"?>
+<p:sld xmlns:a="http://schemas.openxmlformats.org/drawingml/2006/main" xmlns:r="http://schemas.openxmlformats.org/officeDocument/2006/relationships" xmlns:p="http://schemas.openxmlformats.org/presentationml/2006/main">
+  <p:cSld>
+    <p:spTree>
+      <p:nvGrpSpPr>
+        <p:cNvPr id="1" name=""/>
+        <p:cNvGrpSpPr/>
+        <p:nvPr/>
+      </p:nvGrpSpPr>
+      <p:grpSpPr>
+        <a:xfrm>
+          <a:off x="0" y="0"/>
+          <a:ext cx="0" cy="0"/>
+          <a:chOff x="0" y="0"/>
+          <a:chExt cx="0" cy="0"/>
+        </a:xfrm>
+      </p:grpSpPr>
+      <p:sp>
+        <p:nvSpPr>
           <p:cNvPr id="123907" name="Rectangle 2">
             <a:extLst>
               <a:ext uri="{FF2B5EF4-FFF2-40B4-BE49-F238E27FC236}">
@@ -32071,7 +32918,7 @@
 </p:sld>
 </file>
 
-<file path=ppt/slides/slide32.xml><?xml version="1.0" encoding="utf-8"?>
+<file path=ppt/slides/slide33.xml><?xml version="1.0" encoding="utf-8"?>
 <p:sld xmlns:a="http://schemas.openxmlformats.org/drawingml/2006/main" xmlns:r="http://schemas.openxmlformats.org/officeDocument/2006/relationships" xmlns:p="http://schemas.openxmlformats.org/presentationml/2006/main">
   <p:cSld>
     <p:spTree>
@@ -32231,8 +33078,8 @@
 </p:sld>
 </file>
 
-<file path=ppt/slides/slide33.xml><?xml version="1.0" encoding="utf-8"?>
-<p:sld xmlns:a="http://schemas.openxmlformats.org/drawingml/2006/main" xmlns:r="http://schemas.openxmlformats.org/officeDocument/2006/relationships" xmlns:p="http://schemas.openxmlformats.org/presentationml/2006/main">
+<file path=ppt/slides/slide34.xml><?xml version="1.0" encoding="utf-8"?>
+<p:sld xmlns:a="http://schemas.openxmlformats.org/drawingml/2006/main" xmlns:r="http://schemas.openxmlformats.org/officeDocument/2006/relationships" xmlns:p="http://schemas.openxmlformats.org/presentationml/2006/main" show="0">
   <p:cSld>
     <p:spTree>
       <p:nvGrpSpPr>
@@ -33482,8 +34329,8 @@
 </p:sld>
 </file>
 
-<file path=ppt/slides/slide34.xml><?xml version="1.0" encoding="utf-8"?>
-<p:sld xmlns:a="http://schemas.openxmlformats.org/drawingml/2006/main" xmlns:r="http://schemas.openxmlformats.org/officeDocument/2006/relationships" xmlns:p="http://schemas.openxmlformats.org/presentationml/2006/main">
+<file path=ppt/slides/slide35.xml><?xml version="1.0" encoding="utf-8"?>
+<p:sld xmlns:a="http://schemas.openxmlformats.org/drawingml/2006/main" xmlns:r="http://schemas.openxmlformats.org/officeDocument/2006/relationships" xmlns:p="http://schemas.openxmlformats.org/presentationml/2006/main" show="0">
   <p:cSld>
     <p:spTree>
       <p:nvGrpSpPr>
@@ -34351,7 +35198,7 @@
 </p:sld>
 </file>
 
-<file path=ppt/slides/slide35.xml><?xml version="1.0" encoding="utf-8"?>
+<file path=ppt/slides/slide36.xml><?xml version="1.0" encoding="utf-8"?>
 <p:sld xmlns:a="http://schemas.openxmlformats.org/drawingml/2006/main" xmlns:r="http://schemas.openxmlformats.org/officeDocument/2006/relationships" xmlns:p="http://schemas.openxmlformats.org/presentationml/2006/main">
   <p:cSld>
     <p:spTree>
